--- a/posterPresFilterBubbles.pptx
+++ b/posterPresFilterBubbles.pptx
@@ -384,7 +384,7 @@
             <a:fld id="{E6CC2317-6751-4CD4-9995-8782DD78E936}" type="datetimeFigureOut">
               <a:rPr lang="en-US" smtClean="0"/>
               <a:pPr/>
-              <a:t>5/11/2021</a:t>
+              <a:t>5/13/2021</a:t>
             </a:fld>
             <a:endParaRPr lang="en-US" dirty="0"/>
           </a:p>
@@ -19071,8 +19071,8 @@
         </p:nvSpPr>
         <p:spPr>
           <a:xfrm>
-            <a:off x="603550" y="3264071"/>
-            <a:ext cx="6511796" cy="2485169"/>
+            <a:off x="603550" y="3264070"/>
+            <a:ext cx="6698012" cy="6523970"/>
           </a:xfrm>
         </p:spPr>
         <p:txBody>
@@ -19080,7 +19080,7 @@
           <a:lstStyle/>
           <a:p>
             <a:r>
-              <a:rPr lang="en-US" sz="1800" b="1" dirty="0"/>
+              <a:rPr lang="en-US" sz="2000" b="1" dirty="0"/>
               <a:t>Feared Recommender System side effects</a:t>
             </a:r>
           </a:p>
@@ -19089,39 +19089,73 @@
           </a:p>
           <a:p>
             <a:r>
-              <a:rPr lang="en-US" sz="1600" b="1" dirty="0"/>
+              <a:rPr lang="en-US" sz="2200" b="1" dirty="0"/>
               <a:t>Filter bubble: </a:t>
             </a:r>
             <a:r>
-              <a:rPr lang="en-US" sz="1600" dirty="0"/>
-              <a:t>a user gets isolated from a </a:t>
+              <a:rPr lang="en-US" sz="2200" dirty="0"/>
+              <a:t>a user gets </a:t>
             </a:r>
           </a:p>
           <a:p>
             <a:r>
-              <a:rPr lang="en-US" sz="1600" dirty="0"/>
-              <a:t>diversity of viewpoints or content</a:t>
-            </a:r>
-          </a:p>
-          <a:p>
-            <a:endParaRPr lang="en-US" sz="1600" dirty="0"/>
-          </a:p>
-          <a:p>
-            <a:r>
-              <a:rPr lang="en-US" sz="1600" b="1" dirty="0"/>
-              <a:t>Homogenization: </a:t>
-            </a:r>
-            <a:r>
-              <a:rPr lang="en-US" sz="1600" dirty="0"/>
-              <a:t> the behavior in a group of </a:t>
+              <a:rPr lang="en-US" sz="2200" dirty="0"/>
+              <a:t>isolated from a diversity of </a:t>
             </a:r>
           </a:p>
           <a:p>
             <a:r>
-              <a:rPr lang="en-US" sz="1600" dirty="0"/>
-              <a:t>users becomes more similar</a:t>
+              <a:rPr lang="en-US" sz="2200" dirty="0"/>
+              <a:t>viewpoints or content</a:t>
             </a:r>
-            <a:endParaRPr lang="en-US" sz="1600" b="1" dirty="0"/>
+          </a:p>
+          <a:p>
+            <a:endParaRPr lang="en-US" sz="2200" dirty="0"/>
+          </a:p>
+          <a:p>
+            <a:r>
+              <a:rPr lang="en-US" sz="2200" b="1" dirty="0"/>
+              <a:t>Homogenization: </a:t>
+            </a:r>
+            <a:r>
+              <a:rPr lang="en-US" sz="2200" dirty="0"/>
+              <a:t> the behavior in a group of users becomes more similar</a:t>
+            </a:r>
+          </a:p>
+          <a:p>
+            <a:endParaRPr lang="en-US" sz="2200" b="1" dirty="0"/>
+          </a:p>
+          <a:p>
+            <a:r>
+              <a:rPr lang="en-US" sz="2200" dirty="0"/>
+              <a:t>Key insight: user </a:t>
+            </a:r>
+            <a:r>
+              <a:rPr lang="en-US" sz="2200" b="1" dirty="0"/>
+              <a:t>beliefs</a:t>
+            </a:r>
+            <a:r>
+              <a:rPr lang="en-US" sz="2200" dirty="0"/>
+              <a:t> drive consumption choices</a:t>
+            </a:r>
+          </a:p>
+          <a:p>
+            <a:endParaRPr lang="en-US" sz="2200" dirty="0"/>
+          </a:p>
+          <a:p>
+            <a:endParaRPr lang="en-US" sz="2200" dirty="0"/>
+          </a:p>
+          <a:p>
+            <a:endParaRPr lang="en-US" sz="2200" dirty="0"/>
+          </a:p>
+          <a:p>
+            <a:endParaRPr lang="en-US" sz="2200" dirty="0"/>
+          </a:p>
+          <a:p>
+            <a:endParaRPr lang="en-US" sz="2200" dirty="0"/>
+          </a:p>
+          <a:p>
+            <a:endParaRPr lang="en-US" sz="2200" dirty="0"/>
           </a:p>
         </p:txBody>
       </p:sp>
@@ -19164,32 +19198,50 @@
         </p:nvSpPr>
         <p:spPr>
           <a:xfrm>
-            <a:off x="605666" y="7494895"/>
-            <a:ext cx="4691008" cy="2156171"/>
+            <a:off x="815513" y="10321626"/>
+            <a:ext cx="6604393" cy="3544693"/>
           </a:xfrm>
         </p:spPr>
         <p:txBody>
           <a:bodyPr/>
           <a:lstStyle/>
           <a:p>
-            <a:pPr marL="285750" indent="-285750">
+            <a:pPr marL="342900" indent="-342900">
               <a:buFont typeface="Arial" panose="020B0604020202020204" pitchFamily="34" charset="0"/>
               <a:buChar char="•"/>
             </a:pPr>
             <a:r>
-              <a:rPr lang="en-US" sz="1600" b="1" dirty="0"/>
+              <a:rPr lang="en-US" sz="2200" b="1" dirty="0"/>
+              <a:t>Recommendation </a:t>
+            </a:r>
+            <a:r>
+              <a:rPr lang="en-US" sz="2200" dirty="0"/>
+              <a:t>provides </a:t>
+            </a:r>
+            <a:r>
+              <a:rPr lang="en-US" sz="2200" b="1" dirty="0"/>
+              <a:t>information</a:t>
+            </a:r>
+          </a:p>
+          <a:p>
+            <a:pPr marL="342900" indent="-342900">
+              <a:buFont typeface="Arial" panose="020B0604020202020204" pitchFamily="34" charset="0"/>
+              <a:buChar char="•"/>
+            </a:pPr>
+            <a:r>
+              <a:rPr lang="en-US" sz="2200" b="1" dirty="0"/>
               <a:t>Items </a:t>
             </a:r>
             <a:r>
-              <a:rPr lang="en-US" sz="1600" dirty="0"/>
+              <a:rPr lang="en-US" sz="2200" dirty="0"/>
               <a:t>are</a:t>
             </a:r>
             <a:r>
-              <a:rPr lang="en-US" sz="1600" b="1" dirty="0"/>
+              <a:rPr lang="en-US" sz="2200" b="1" dirty="0"/>
               <a:t> </a:t>
             </a:r>
             <a:r>
-              <a:rPr lang="en-US" sz="1600" dirty="0"/>
+              <a:rPr lang="en-US" sz="2200" dirty="0"/>
               <a:t>consumed sequentially. Large set to choose from, but only a small fraction can be consumed</a:t>
             </a:r>
           </a:p>
@@ -19199,12 +19251,42 @@
               <a:buChar char="•"/>
             </a:pPr>
             <a:r>
-              <a:rPr lang="en-US" sz="1600" b="1" dirty="0"/>
+              <a:rPr lang="en-US" sz="2200" b="1" dirty="0"/>
               <a:t>Uncertainty </a:t>
             </a:r>
             <a:r>
-              <a:rPr lang="en-US" sz="1600" dirty="0"/>
+              <a:rPr lang="en-US" sz="2200" dirty="0"/>
               <a:t>about how well an item is liked before consumption</a:t>
+            </a:r>
+          </a:p>
+          <a:p>
+            <a:pPr marL="1191424" lvl="1" indent="-285750">
+              <a:buFont typeface="Arial" panose="020B0604020202020204" pitchFamily="34" charset="0"/>
+              <a:buChar char="•"/>
+            </a:pPr>
+            <a:r>
+              <a:rPr lang="en-US" sz="2000" b="1" dirty="0">
+                <a:solidFill>
+                  <a:schemeClr val="accent5">
+                    <a:lumMod val="50000"/>
+                  </a:schemeClr>
+                </a:solidFill>
+                <a:latin typeface="Times New Roman" panose="02020603050405020304" pitchFamily="18" charset="0"/>
+                <a:cs typeface="Times New Roman" panose="02020603050405020304" pitchFamily="18" charset="0"/>
+              </a:rPr>
+              <a:t>Experience goods: </a:t>
+            </a:r>
+            <a:r>
+              <a:rPr lang="en-US" sz="2000" dirty="0">
+                <a:solidFill>
+                  <a:schemeClr val="accent5">
+                    <a:lumMod val="50000"/>
+                  </a:schemeClr>
+                </a:solidFill>
+                <a:latin typeface="Times New Roman" panose="02020603050405020304" pitchFamily="18" charset="0"/>
+                <a:cs typeface="Times New Roman" panose="02020603050405020304" pitchFamily="18" charset="0"/>
+              </a:rPr>
+              <a:t>true value only discovered after consumption</a:t>
             </a:r>
           </a:p>
           <a:p>
@@ -19213,30 +19295,42 @@
               <a:buChar char="•"/>
             </a:pPr>
             <a:r>
-              <a:rPr lang="en-US" sz="1600" b="1" dirty="0"/>
+              <a:rPr lang="en-US" sz="2200" b="1" dirty="0"/>
               <a:t>User beliefs </a:t>
             </a:r>
             <a:r>
-              <a:rPr lang="en-US" sz="1600" dirty="0"/>
+              <a:rPr lang="en-US" sz="2200" dirty="0"/>
               <a:t>change after an item is consumed</a:t>
             </a:r>
           </a:p>
           <a:p>
-            <a:pPr marL="285750" indent="-285750">
+            <a:pPr marL="1191424" lvl="1" indent="-285750">
               <a:buFont typeface="Arial" panose="020B0604020202020204" pitchFamily="34" charset="0"/>
               <a:buChar char="•"/>
             </a:pPr>
             <a:r>
-              <a:rPr lang="en-US" sz="1600" b="1" dirty="0"/>
-              <a:t>Recommendation </a:t>
+              <a:rPr lang="en-US" sz="2000" dirty="0">
+                <a:solidFill>
+                  <a:schemeClr val="accent5">
+                    <a:lumMod val="50000"/>
+                  </a:schemeClr>
+                </a:solidFill>
+                <a:latin typeface="Times New Roman" panose="02020603050405020304" pitchFamily="18" charset="0"/>
+                <a:cs typeface="Times New Roman" panose="02020603050405020304" pitchFamily="18" charset="0"/>
+              </a:rPr>
+              <a:t>Reveals information about </a:t>
             </a:r>
             <a:r>
-              <a:rPr lang="en-US" sz="1600" dirty="0"/>
-              <a:t>provides </a:t>
-            </a:r>
-            <a:r>
-              <a:rPr lang="en-US" sz="1600" b="1" dirty="0"/>
-              <a:t>information</a:t>
+              <a:rPr lang="en-US" sz="2000" b="1" dirty="0">
+                <a:solidFill>
+                  <a:schemeClr val="accent5">
+                    <a:lumMod val="50000"/>
+                  </a:schemeClr>
+                </a:solidFill>
+                <a:latin typeface="Times New Roman" panose="02020603050405020304" pitchFamily="18" charset="0"/>
+                <a:cs typeface="Times New Roman" panose="02020603050405020304" pitchFamily="18" charset="0"/>
+              </a:rPr>
+              <a:t>similar items</a:t>
             </a:r>
           </a:p>
         </p:txBody>
@@ -19253,7 +19347,7 @@
         </p:nvSpPr>
         <p:spPr>
           <a:xfrm>
-            <a:off x="610958" y="6919530"/>
+            <a:off x="607784" y="9776508"/>
             <a:ext cx="6700308" cy="597961"/>
           </a:xfrm>
         </p:spPr>
@@ -19263,7 +19357,7 @@
           <a:p>
             <a:r>
               <a:rPr lang="en-US" sz="3200" dirty="0"/>
-              <a:t>Model (components)</a:t>
+              <a:t>Components</a:t>
             </a:r>
           </a:p>
         </p:txBody>
@@ -19280,7 +19374,7 @@
         </p:nvSpPr>
         <p:spPr>
           <a:xfrm>
-            <a:off x="7724776" y="2736173"/>
+            <a:off x="7730238" y="3281096"/>
             <a:ext cx="13813365" cy="477252"/>
           </a:xfrm>
         </p:spPr>
@@ -19288,7 +19382,7 @@
           <a:bodyPr/>
           <a:lstStyle/>
           <a:p>
-            <a:endParaRPr lang="en-US" sz="1387"/>
+            <a:endParaRPr lang="en-US" sz="1387" dirty="0"/>
           </a:p>
         </p:txBody>
       </p:sp>
@@ -19302,12 +19396,20 @@
             <p:ph type="body" sz="quarter" idx="22"/>
           </p:nvPr>
         </p:nvSpPr>
-        <p:spPr/>
+        <p:spPr>
+          <a:xfrm>
+            <a:off x="7723716" y="2628869"/>
+            <a:ext cx="13813366" cy="597961"/>
+          </a:xfrm>
+        </p:spPr>
         <p:txBody>
           <a:bodyPr/>
           <a:lstStyle/>
           <a:p>
-            <a:endParaRPr lang="en-US" dirty="0"/>
+            <a:r>
+              <a:rPr lang="en-US" sz="3200" dirty="0"/>
+              <a:t>Model</a:t>
+            </a:r>
           </a:p>
         </p:txBody>
       </p:sp>
@@ -19331,7 +19433,10 @@
           <a:bodyPr/>
           <a:lstStyle/>
           <a:p>
-            <a:endParaRPr lang="en-US" sz="1387"/>
+            <a:r>
+              <a:rPr lang="en-US" sz="1387" dirty="0"/>
+              <a:t>Either graphs here, or covering the entire length?</a:t>
+            </a:r>
           </a:p>
         </p:txBody>
       </p:sp>
@@ -19385,7 +19490,7 @@
         </p:nvSpPr>
         <p:spPr>
           <a:xfrm>
-            <a:off x="21973955" y="2740406"/>
+            <a:off x="21959238" y="3264070"/>
             <a:ext cx="6698012" cy="477252"/>
           </a:xfrm>
         </p:spPr>
@@ -19393,7 +19498,10 @@
           <a:bodyPr/>
           <a:lstStyle/>
           <a:p>
-            <a:endParaRPr lang="en-US" sz="1387" dirty="0"/>
+            <a:r>
+              <a:rPr lang="en-US" sz="1387" dirty="0"/>
+              <a:t>Describing different graphs?</a:t>
+            </a:r>
           </a:p>
         </p:txBody>
       </p:sp>
@@ -19455,7 +19563,7 @@
           <a:bodyPr/>
           <a:lstStyle/>
           <a:p>
-            <a:endParaRPr lang="en-US"/>
+            <a:endParaRPr lang="en-US" dirty="0"/>
           </a:p>
         </p:txBody>
       </p:sp>
@@ -19471,7 +19579,7 @@
         </p:nvSpPr>
         <p:spPr>
           <a:xfrm>
-            <a:off x="21972279" y="13627693"/>
+            <a:off x="21970601" y="13627693"/>
             <a:ext cx="6701366" cy="477252"/>
           </a:xfrm>
         </p:spPr>
@@ -19479,7 +19587,7 @@
           <a:bodyPr/>
           <a:lstStyle/>
           <a:p>
-            <a:endParaRPr lang="en-US" sz="1387"/>
+            <a:endParaRPr lang="en-US" sz="1387" dirty="0"/>
           </a:p>
         </p:txBody>
       </p:sp>
@@ -19618,7 +19726,7 @@
         </p:blipFill>
         <p:spPr>
           <a:xfrm>
-            <a:off x="4633423" y="3792386"/>
+            <a:off x="4552480" y="3795521"/>
             <a:ext cx="2413806" cy="1811742"/>
           </a:xfrm>
           <a:prstGeom prst="rect">
@@ -19657,7 +19765,7 @@
         </p:blipFill>
         <p:spPr>
           <a:xfrm>
-            <a:off x="4848530" y="8229600"/>
+            <a:off x="2462641" y="14240800"/>
             <a:ext cx="581025" cy="581025"/>
           </a:xfrm>
           <a:prstGeom prst="rect">
@@ -19665,646 +19773,6 @@
           </a:prstGeom>
         </p:spPr>
       </p:pic>
-      <p:sp>
-        <p:nvSpPr>
-          <p:cNvPr id="30" name="Ovaal 29">
-            <a:extLst>
-              <a:ext uri="{FF2B5EF4-FFF2-40B4-BE49-F238E27FC236}">
-                <a16:creationId xmlns:a16="http://schemas.microsoft.com/office/drawing/2014/main" id="{4E08947B-C9E1-46E3-9D1F-B42509B08A18}"/>
-              </a:ext>
-            </a:extLst>
-          </p:cNvPr>
-          <p:cNvSpPr/>
-          <p:nvPr/>
-        </p:nvSpPr>
-        <p:spPr>
-          <a:xfrm flipH="1">
-            <a:off x="8769507" y="9223230"/>
-            <a:ext cx="114299" cy="83820"/>
-          </a:xfrm>
-          <a:prstGeom prst="ellipse">
-            <a:avLst/>
-          </a:prstGeom>
-        </p:spPr>
-        <p:style>
-          <a:lnRef idx="2">
-            <a:schemeClr val="accent1">
-              <a:shade val="50000"/>
-            </a:schemeClr>
-          </a:lnRef>
-          <a:fillRef idx="1">
-            <a:schemeClr val="accent1"/>
-          </a:fillRef>
-          <a:effectRef idx="0">
-            <a:schemeClr val="accent1"/>
-          </a:effectRef>
-          <a:fontRef idx="minor">
-            <a:schemeClr val="lt1"/>
-          </a:fontRef>
-        </p:style>
-        <p:txBody>
-          <a:bodyPr rtlCol="0" anchor="ctr"/>
-          <a:lstStyle/>
-          <a:p>
-            <a:pPr algn="ctr"/>
-            <a:endParaRPr lang="en-GB"/>
-          </a:p>
-        </p:txBody>
-      </p:sp>
-      <p:sp>
-        <p:nvSpPr>
-          <p:cNvPr id="31" name="Ovaal 30">
-            <a:extLst>
-              <a:ext uri="{FF2B5EF4-FFF2-40B4-BE49-F238E27FC236}">
-                <a16:creationId xmlns:a16="http://schemas.microsoft.com/office/drawing/2014/main" id="{1E7EE2CA-8CF2-4E59-BA4A-CC73B70E7F67}"/>
-              </a:ext>
-            </a:extLst>
-          </p:cNvPr>
-          <p:cNvSpPr/>
-          <p:nvPr/>
-        </p:nvSpPr>
-        <p:spPr>
-          <a:xfrm flipH="1">
-            <a:off x="8758079" y="9395238"/>
-            <a:ext cx="114299" cy="83820"/>
-          </a:xfrm>
-          <a:prstGeom prst="ellipse">
-            <a:avLst/>
-          </a:prstGeom>
-        </p:spPr>
-        <p:style>
-          <a:lnRef idx="2">
-            <a:schemeClr val="accent1">
-              <a:shade val="50000"/>
-            </a:schemeClr>
-          </a:lnRef>
-          <a:fillRef idx="1">
-            <a:schemeClr val="accent1"/>
-          </a:fillRef>
-          <a:effectRef idx="0">
-            <a:schemeClr val="accent1"/>
-          </a:effectRef>
-          <a:fontRef idx="minor">
-            <a:schemeClr val="lt1"/>
-          </a:fontRef>
-        </p:style>
-        <p:txBody>
-          <a:bodyPr rtlCol="0" anchor="ctr"/>
-          <a:lstStyle/>
-          <a:p>
-            <a:pPr algn="ctr"/>
-            <a:endParaRPr lang="en-GB"/>
-          </a:p>
-        </p:txBody>
-      </p:sp>
-      <p:sp>
-        <p:nvSpPr>
-          <p:cNvPr id="32" name="Ovaal 31">
-            <a:extLst>
-              <a:ext uri="{FF2B5EF4-FFF2-40B4-BE49-F238E27FC236}">
-                <a16:creationId xmlns:a16="http://schemas.microsoft.com/office/drawing/2014/main" id="{B04D51B5-D5B0-4A8F-A5E8-00F76E1C9E90}"/>
-              </a:ext>
-            </a:extLst>
-          </p:cNvPr>
-          <p:cNvSpPr/>
-          <p:nvPr/>
-        </p:nvSpPr>
-        <p:spPr>
-          <a:xfrm flipH="1">
-            <a:off x="8758079" y="9567246"/>
-            <a:ext cx="114299" cy="83820"/>
-          </a:xfrm>
-          <a:prstGeom prst="ellipse">
-            <a:avLst/>
-          </a:prstGeom>
-        </p:spPr>
-        <p:style>
-          <a:lnRef idx="2">
-            <a:schemeClr val="accent1">
-              <a:shade val="50000"/>
-            </a:schemeClr>
-          </a:lnRef>
-          <a:fillRef idx="1">
-            <a:schemeClr val="accent1"/>
-          </a:fillRef>
-          <a:effectRef idx="0">
-            <a:schemeClr val="accent1"/>
-          </a:effectRef>
-          <a:fontRef idx="minor">
-            <a:schemeClr val="lt1"/>
-          </a:fontRef>
-        </p:style>
-        <p:txBody>
-          <a:bodyPr rtlCol="0" anchor="ctr"/>
-          <a:lstStyle/>
-          <a:p>
-            <a:pPr algn="ctr"/>
-            <a:endParaRPr lang="en-GB"/>
-          </a:p>
-        </p:txBody>
-      </p:sp>
-      <p:sp>
-        <p:nvSpPr>
-          <p:cNvPr id="33" name="Ovaal 32">
-            <a:extLst>
-              <a:ext uri="{FF2B5EF4-FFF2-40B4-BE49-F238E27FC236}">
-                <a16:creationId xmlns:a16="http://schemas.microsoft.com/office/drawing/2014/main" id="{0443520E-A41B-4936-8780-44B4DC65C2F5}"/>
-              </a:ext>
-            </a:extLst>
-          </p:cNvPr>
-          <p:cNvSpPr/>
-          <p:nvPr/>
-        </p:nvSpPr>
-        <p:spPr>
-          <a:xfrm flipH="1">
-            <a:off x="8769507" y="9739254"/>
-            <a:ext cx="114299" cy="83820"/>
-          </a:xfrm>
-          <a:prstGeom prst="ellipse">
-            <a:avLst/>
-          </a:prstGeom>
-        </p:spPr>
-        <p:style>
-          <a:lnRef idx="2">
-            <a:schemeClr val="accent1">
-              <a:shade val="50000"/>
-            </a:schemeClr>
-          </a:lnRef>
-          <a:fillRef idx="1">
-            <a:schemeClr val="accent1"/>
-          </a:fillRef>
-          <a:effectRef idx="0">
-            <a:schemeClr val="accent1"/>
-          </a:effectRef>
-          <a:fontRef idx="minor">
-            <a:schemeClr val="lt1"/>
-          </a:fontRef>
-        </p:style>
-        <p:txBody>
-          <a:bodyPr rtlCol="0" anchor="ctr"/>
-          <a:lstStyle/>
-          <a:p>
-            <a:pPr algn="ctr"/>
-            <a:endParaRPr lang="en-GB"/>
-          </a:p>
-        </p:txBody>
-      </p:sp>
-      <p:sp>
-        <p:nvSpPr>
-          <p:cNvPr id="34" name="Ovaal 33">
-            <a:extLst>
-              <a:ext uri="{FF2B5EF4-FFF2-40B4-BE49-F238E27FC236}">
-                <a16:creationId xmlns:a16="http://schemas.microsoft.com/office/drawing/2014/main" id="{FF7436B7-2908-4051-A6EC-C240C527C8F2}"/>
-              </a:ext>
-            </a:extLst>
-          </p:cNvPr>
-          <p:cNvSpPr/>
-          <p:nvPr/>
-        </p:nvSpPr>
-        <p:spPr>
-          <a:xfrm flipH="1">
-            <a:off x="8758079" y="9911262"/>
-            <a:ext cx="114299" cy="83820"/>
-          </a:xfrm>
-          <a:prstGeom prst="ellipse">
-            <a:avLst/>
-          </a:prstGeom>
-        </p:spPr>
-        <p:style>
-          <a:lnRef idx="2">
-            <a:schemeClr val="accent1">
-              <a:shade val="50000"/>
-            </a:schemeClr>
-          </a:lnRef>
-          <a:fillRef idx="1">
-            <a:schemeClr val="accent1"/>
-          </a:fillRef>
-          <a:effectRef idx="0">
-            <a:schemeClr val="accent1"/>
-          </a:effectRef>
-          <a:fontRef idx="minor">
-            <a:schemeClr val="lt1"/>
-          </a:fontRef>
-        </p:style>
-        <p:txBody>
-          <a:bodyPr rtlCol="0" anchor="ctr"/>
-          <a:lstStyle/>
-          <a:p>
-            <a:pPr algn="ctr"/>
-            <a:endParaRPr lang="en-GB"/>
-          </a:p>
-        </p:txBody>
-      </p:sp>
-      <p:sp>
-        <p:nvSpPr>
-          <p:cNvPr id="35" name="Ovaal 34">
-            <a:extLst>
-              <a:ext uri="{FF2B5EF4-FFF2-40B4-BE49-F238E27FC236}">
-                <a16:creationId xmlns:a16="http://schemas.microsoft.com/office/drawing/2014/main" id="{6A8F6D18-E406-4316-9BAA-D07C184C6B0C}"/>
-              </a:ext>
-            </a:extLst>
-          </p:cNvPr>
-          <p:cNvSpPr/>
-          <p:nvPr/>
-        </p:nvSpPr>
-        <p:spPr>
-          <a:xfrm flipH="1">
-            <a:off x="8758079" y="10083270"/>
-            <a:ext cx="114299" cy="83820"/>
-          </a:xfrm>
-          <a:prstGeom prst="ellipse">
-            <a:avLst/>
-          </a:prstGeom>
-        </p:spPr>
-        <p:style>
-          <a:lnRef idx="2">
-            <a:schemeClr val="accent1"/>
-          </a:lnRef>
-          <a:fillRef idx="1">
-            <a:schemeClr val="lt1"/>
-          </a:fillRef>
-          <a:effectRef idx="0">
-            <a:schemeClr val="accent1"/>
-          </a:effectRef>
-          <a:fontRef idx="minor">
-            <a:schemeClr val="dk1"/>
-          </a:fontRef>
-        </p:style>
-        <p:txBody>
-          <a:bodyPr rtlCol="0" anchor="ctr"/>
-          <a:lstStyle/>
-          <a:p>
-            <a:pPr algn="ctr"/>
-            <a:endParaRPr lang="en-GB"/>
-          </a:p>
-        </p:txBody>
-      </p:sp>
-      <p:sp>
-        <p:nvSpPr>
-          <p:cNvPr id="36" name="Ovaal 35">
-            <a:extLst>
-              <a:ext uri="{FF2B5EF4-FFF2-40B4-BE49-F238E27FC236}">
-                <a16:creationId xmlns:a16="http://schemas.microsoft.com/office/drawing/2014/main" id="{1D12C459-8C86-45C6-BFAB-E5BA4A34B815}"/>
-              </a:ext>
-            </a:extLst>
-          </p:cNvPr>
-          <p:cNvSpPr/>
-          <p:nvPr/>
-        </p:nvSpPr>
-        <p:spPr>
-          <a:xfrm flipH="1">
-            <a:off x="8758078" y="10255278"/>
-            <a:ext cx="114299" cy="83820"/>
-          </a:xfrm>
-          <a:prstGeom prst="ellipse">
-            <a:avLst/>
-          </a:prstGeom>
-        </p:spPr>
-        <p:style>
-          <a:lnRef idx="2">
-            <a:schemeClr val="accent1">
-              <a:shade val="50000"/>
-            </a:schemeClr>
-          </a:lnRef>
-          <a:fillRef idx="1">
-            <a:schemeClr val="accent1"/>
-          </a:fillRef>
-          <a:effectRef idx="0">
-            <a:schemeClr val="accent1"/>
-          </a:effectRef>
-          <a:fontRef idx="minor">
-            <a:schemeClr val="lt1"/>
-          </a:fontRef>
-        </p:style>
-        <p:txBody>
-          <a:bodyPr rtlCol="0" anchor="ctr"/>
-          <a:lstStyle/>
-          <a:p>
-            <a:pPr algn="ctr"/>
-            <a:endParaRPr lang="en-GB"/>
-          </a:p>
-        </p:txBody>
-      </p:sp>
-      <p:sp>
-        <p:nvSpPr>
-          <p:cNvPr id="37" name="Ovaal 36">
-            <a:extLst>
-              <a:ext uri="{FF2B5EF4-FFF2-40B4-BE49-F238E27FC236}">
-                <a16:creationId xmlns:a16="http://schemas.microsoft.com/office/drawing/2014/main" id="{9234050F-999B-4BEC-BE43-FE54B5232FD9}"/>
-              </a:ext>
-            </a:extLst>
-          </p:cNvPr>
-          <p:cNvSpPr/>
-          <p:nvPr/>
-        </p:nvSpPr>
-        <p:spPr>
-          <a:xfrm flipH="1">
-            <a:off x="9033853" y="9223230"/>
-            <a:ext cx="114299" cy="83820"/>
-          </a:xfrm>
-          <a:prstGeom prst="ellipse">
-            <a:avLst/>
-          </a:prstGeom>
-        </p:spPr>
-        <p:style>
-          <a:lnRef idx="2">
-            <a:schemeClr val="accent1">
-              <a:shade val="50000"/>
-            </a:schemeClr>
-          </a:lnRef>
-          <a:fillRef idx="1">
-            <a:schemeClr val="accent1"/>
-          </a:fillRef>
-          <a:effectRef idx="0">
-            <a:schemeClr val="accent1"/>
-          </a:effectRef>
-          <a:fontRef idx="minor">
-            <a:schemeClr val="lt1"/>
-          </a:fontRef>
-        </p:style>
-        <p:txBody>
-          <a:bodyPr rtlCol="0" anchor="ctr"/>
-          <a:lstStyle/>
-          <a:p>
-            <a:pPr algn="ctr"/>
-            <a:endParaRPr lang="en-GB"/>
-          </a:p>
-        </p:txBody>
-      </p:sp>
-      <p:sp>
-        <p:nvSpPr>
-          <p:cNvPr id="38" name="Ovaal 37">
-            <a:extLst>
-              <a:ext uri="{FF2B5EF4-FFF2-40B4-BE49-F238E27FC236}">
-                <a16:creationId xmlns:a16="http://schemas.microsoft.com/office/drawing/2014/main" id="{582BB6EA-963C-4ACC-95FE-D584B8024444}"/>
-              </a:ext>
-            </a:extLst>
-          </p:cNvPr>
-          <p:cNvSpPr/>
-          <p:nvPr/>
-        </p:nvSpPr>
-        <p:spPr>
-          <a:xfrm flipH="1">
-            <a:off x="9022425" y="9395238"/>
-            <a:ext cx="114299" cy="83820"/>
-          </a:xfrm>
-          <a:prstGeom prst="ellipse">
-            <a:avLst/>
-          </a:prstGeom>
-        </p:spPr>
-        <p:style>
-          <a:lnRef idx="2">
-            <a:schemeClr val="accent1"/>
-          </a:lnRef>
-          <a:fillRef idx="1">
-            <a:schemeClr val="lt1"/>
-          </a:fillRef>
-          <a:effectRef idx="0">
-            <a:schemeClr val="accent1"/>
-          </a:effectRef>
-          <a:fontRef idx="minor">
-            <a:schemeClr val="dk1"/>
-          </a:fontRef>
-        </p:style>
-        <p:txBody>
-          <a:bodyPr rtlCol="0" anchor="ctr"/>
-          <a:lstStyle/>
-          <a:p>
-            <a:pPr algn="ctr"/>
-            <a:endParaRPr lang="en-GB"/>
-          </a:p>
-        </p:txBody>
-      </p:sp>
-      <p:sp>
-        <p:nvSpPr>
-          <p:cNvPr id="39" name="Ovaal 38">
-            <a:extLst>
-              <a:ext uri="{FF2B5EF4-FFF2-40B4-BE49-F238E27FC236}">
-                <a16:creationId xmlns:a16="http://schemas.microsoft.com/office/drawing/2014/main" id="{1446A160-DCE7-4AD3-83CC-CADBE0A54B61}"/>
-              </a:ext>
-            </a:extLst>
-          </p:cNvPr>
-          <p:cNvSpPr/>
-          <p:nvPr/>
-        </p:nvSpPr>
-        <p:spPr>
-          <a:xfrm flipH="1">
-            <a:off x="9022425" y="9567246"/>
-            <a:ext cx="114299" cy="83820"/>
-          </a:xfrm>
-          <a:prstGeom prst="ellipse">
-            <a:avLst/>
-          </a:prstGeom>
-        </p:spPr>
-        <p:style>
-          <a:lnRef idx="2">
-            <a:schemeClr val="accent1">
-              <a:shade val="50000"/>
-            </a:schemeClr>
-          </a:lnRef>
-          <a:fillRef idx="1">
-            <a:schemeClr val="accent1"/>
-          </a:fillRef>
-          <a:effectRef idx="0">
-            <a:schemeClr val="accent1"/>
-          </a:effectRef>
-          <a:fontRef idx="minor">
-            <a:schemeClr val="lt1"/>
-          </a:fontRef>
-        </p:style>
-        <p:txBody>
-          <a:bodyPr rtlCol="0" anchor="ctr"/>
-          <a:lstStyle/>
-          <a:p>
-            <a:pPr algn="ctr"/>
-            <a:endParaRPr lang="en-GB"/>
-          </a:p>
-        </p:txBody>
-      </p:sp>
-      <p:sp>
-        <p:nvSpPr>
-          <p:cNvPr id="40" name="Ovaal 39">
-            <a:extLst>
-              <a:ext uri="{FF2B5EF4-FFF2-40B4-BE49-F238E27FC236}">
-                <a16:creationId xmlns:a16="http://schemas.microsoft.com/office/drawing/2014/main" id="{CBBD2CF8-6931-4AFA-AB4B-D4C6EDEBA2DD}"/>
-              </a:ext>
-            </a:extLst>
-          </p:cNvPr>
-          <p:cNvSpPr/>
-          <p:nvPr/>
-        </p:nvSpPr>
-        <p:spPr>
-          <a:xfrm flipH="1">
-            <a:off x="9033853" y="9739254"/>
-            <a:ext cx="114299" cy="83820"/>
-          </a:xfrm>
-          <a:prstGeom prst="ellipse">
-            <a:avLst/>
-          </a:prstGeom>
-        </p:spPr>
-        <p:style>
-          <a:lnRef idx="2">
-            <a:schemeClr val="accent1">
-              <a:shade val="50000"/>
-            </a:schemeClr>
-          </a:lnRef>
-          <a:fillRef idx="1">
-            <a:schemeClr val="accent1"/>
-          </a:fillRef>
-          <a:effectRef idx="0">
-            <a:schemeClr val="accent1"/>
-          </a:effectRef>
-          <a:fontRef idx="minor">
-            <a:schemeClr val="lt1"/>
-          </a:fontRef>
-        </p:style>
-        <p:txBody>
-          <a:bodyPr rtlCol="0" anchor="ctr"/>
-          <a:lstStyle/>
-          <a:p>
-            <a:pPr algn="ctr"/>
-            <a:endParaRPr lang="en-GB"/>
-          </a:p>
-        </p:txBody>
-      </p:sp>
-      <p:sp>
-        <p:nvSpPr>
-          <p:cNvPr id="41" name="Ovaal 40">
-            <a:extLst>
-              <a:ext uri="{FF2B5EF4-FFF2-40B4-BE49-F238E27FC236}">
-                <a16:creationId xmlns:a16="http://schemas.microsoft.com/office/drawing/2014/main" id="{4200627D-C487-43ED-9C5B-12F722ECF45D}"/>
-              </a:ext>
-            </a:extLst>
-          </p:cNvPr>
-          <p:cNvSpPr/>
-          <p:nvPr/>
-        </p:nvSpPr>
-        <p:spPr>
-          <a:xfrm flipH="1">
-            <a:off x="9022425" y="9911262"/>
-            <a:ext cx="114299" cy="83820"/>
-          </a:xfrm>
-          <a:prstGeom prst="ellipse">
-            <a:avLst/>
-          </a:prstGeom>
-        </p:spPr>
-        <p:style>
-          <a:lnRef idx="2">
-            <a:schemeClr val="accent1">
-              <a:shade val="50000"/>
-            </a:schemeClr>
-          </a:lnRef>
-          <a:fillRef idx="1">
-            <a:schemeClr val="accent1"/>
-          </a:fillRef>
-          <a:effectRef idx="0">
-            <a:schemeClr val="accent1"/>
-          </a:effectRef>
-          <a:fontRef idx="minor">
-            <a:schemeClr val="lt1"/>
-          </a:fontRef>
-        </p:style>
-        <p:txBody>
-          <a:bodyPr rtlCol="0" anchor="ctr"/>
-          <a:lstStyle/>
-          <a:p>
-            <a:pPr algn="ctr"/>
-            <a:endParaRPr lang="en-GB"/>
-          </a:p>
-        </p:txBody>
-      </p:sp>
-      <p:sp>
-        <p:nvSpPr>
-          <p:cNvPr id="42" name="Ovaal 41">
-            <a:extLst>
-              <a:ext uri="{FF2B5EF4-FFF2-40B4-BE49-F238E27FC236}">
-                <a16:creationId xmlns:a16="http://schemas.microsoft.com/office/drawing/2014/main" id="{1F470204-73CB-4ECC-96AC-AAED0D9426B3}"/>
-              </a:ext>
-            </a:extLst>
-          </p:cNvPr>
-          <p:cNvSpPr/>
-          <p:nvPr/>
-        </p:nvSpPr>
-        <p:spPr>
-          <a:xfrm flipH="1">
-            <a:off x="9022425" y="10083270"/>
-            <a:ext cx="114299" cy="83820"/>
-          </a:xfrm>
-          <a:prstGeom prst="ellipse">
-            <a:avLst/>
-          </a:prstGeom>
-        </p:spPr>
-        <p:style>
-          <a:lnRef idx="2">
-            <a:schemeClr val="accent1">
-              <a:shade val="50000"/>
-            </a:schemeClr>
-          </a:lnRef>
-          <a:fillRef idx="1">
-            <a:schemeClr val="accent1"/>
-          </a:fillRef>
-          <a:effectRef idx="0">
-            <a:schemeClr val="accent1"/>
-          </a:effectRef>
-          <a:fontRef idx="minor">
-            <a:schemeClr val="lt1"/>
-          </a:fontRef>
-        </p:style>
-        <p:txBody>
-          <a:bodyPr rtlCol="0" anchor="ctr"/>
-          <a:lstStyle/>
-          <a:p>
-            <a:pPr algn="ctr"/>
-            <a:endParaRPr lang="en-GB"/>
-          </a:p>
-        </p:txBody>
-      </p:sp>
-      <p:sp>
-        <p:nvSpPr>
-          <p:cNvPr id="43" name="Ovaal 42">
-            <a:extLst>
-              <a:ext uri="{FF2B5EF4-FFF2-40B4-BE49-F238E27FC236}">
-                <a16:creationId xmlns:a16="http://schemas.microsoft.com/office/drawing/2014/main" id="{5165FACB-CAEB-4E2F-8FE3-F05B06C75D10}"/>
-              </a:ext>
-            </a:extLst>
-          </p:cNvPr>
-          <p:cNvSpPr/>
-          <p:nvPr/>
-        </p:nvSpPr>
-        <p:spPr>
-          <a:xfrm flipH="1">
-            <a:off x="9022424" y="10255278"/>
-            <a:ext cx="114299" cy="83820"/>
-          </a:xfrm>
-          <a:prstGeom prst="ellipse">
-            <a:avLst/>
-          </a:prstGeom>
-        </p:spPr>
-        <p:style>
-          <a:lnRef idx="2">
-            <a:schemeClr val="accent1">
-              <a:shade val="50000"/>
-            </a:schemeClr>
-          </a:lnRef>
-          <a:fillRef idx="1">
-            <a:schemeClr val="accent1"/>
-          </a:fillRef>
-          <a:effectRef idx="0">
-            <a:schemeClr val="accent1"/>
-          </a:effectRef>
-          <a:fontRef idx="minor">
-            <a:schemeClr val="lt1"/>
-          </a:fontRef>
-        </p:style>
-        <p:txBody>
-          <a:bodyPr rtlCol="0" anchor="ctr"/>
-          <a:lstStyle/>
-          <a:p>
-            <a:pPr algn="ctr"/>
-            <a:endParaRPr lang="en-GB"/>
-          </a:p>
-        </p:txBody>
-      </p:sp>
       <p:sp>
         <p:nvSpPr>
           <p:cNvPr id="46" name="Ovaal 45">
@@ -20319,7 +19787,7 @@
         </p:nvSpPr>
         <p:spPr>
           <a:xfrm flipH="1">
-            <a:off x="5456328" y="8190575"/>
+            <a:off x="3070439" y="14201775"/>
             <a:ext cx="114299" cy="83820"/>
           </a:xfrm>
           <a:prstGeom prst="ellipse">
@@ -20365,7 +19833,7 @@
         </p:nvSpPr>
         <p:spPr>
           <a:xfrm flipH="1">
-            <a:off x="5446722" y="8481087"/>
+            <a:off x="3060833" y="14492287"/>
             <a:ext cx="114299" cy="83820"/>
           </a:xfrm>
           <a:prstGeom prst="ellipse">
@@ -20411,7 +19879,7 @@
         </p:nvSpPr>
         <p:spPr>
           <a:xfrm flipH="1">
-            <a:off x="5446721" y="8771600"/>
+            <a:off x="3060832" y="14782800"/>
             <a:ext cx="114299" cy="83820"/>
           </a:xfrm>
           <a:prstGeom prst="ellipse">
@@ -20457,8 +19925,8 @@
         </p:nvSpPr>
         <p:spPr>
           <a:xfrm flipH="1">
-            <a:off x="9265484" y="10255278"/>
-            <a:ext cx="114299" cy="83820"/>
+            <a:off x="1531481" y="8689708"/>
+            <a:ext cx="301399" cy="265574"/>
           </a:xfrm>
           <a:prstGeom prst="ellipse">
             <a:avLst/>
@@ -20503,7 +19971,7 @@
         </p:nvSpPr>
         <p:spPr>
           <a:xfrm flipH="1">
-            <a:off x="6824070" y="8190575"/>
+            <a:off x="4438181" y="14201775"/>
             <a:ext cx="114299" cy="83820"/>
           </a:xfrm>
           <a:prstGeom prst="ellipse">
@@ -20555,7 +20023,7 @@
         </p:nvSpPr>
         <p:spPr>
           <a:xfrm flipH="1">
-            <a:off x="6814464" y="8481087"/>
+            <a:off x="4428575" y="14492287"/>
             <a:ext cx="114299" cy="83820"/>
           </a:xfrm>
           <a:prstGeom prst="ellipse">
@@ -20606,7 +20074,7 @@
         </p:nvSpPr>
         <p:spPr>
           <a:xfrm flipH="1">
-            <a:off x="6814463" y="8771600"/>
+            <a:off x="4428574" y="14782800"/>
             <a:ext cx="114299" cy="83820"/>
           </a:xfrm>
           <a:prstGeom prst="ellipse">
@@ -20657,7 +20125,7 @@
         </p:nvSpPr>
         <p:spPr>
           <a:xfrm>
-            <a:off x="5818758" y="8087229"/>
+            <a:off x="3432869" y="14098429"/>
             <a:ext cx="757180" cy="206692"/>
           </a:xfrm>
           <a:prstGeom prst="rightArrow">
@@ -20703,7 +20171,7 @@
         </p:nvSpPr>
         <p:spPr>
           <a:xfrm>
-            <a:off x="5601003" y="7754766"/>
+            <a:off x="3272264" y="13814628"/>
             <a:ext cx="1270609" cy="307777"/>
           </a:xfrm>
           <a:prstGeom prst="rect">
@@ -20727,6 +20195,582 @@
           </a:p>
         </p:txBody>
       </p:sp>
+      <p:pic>
+        <p:nvPicPr>
+          <p:cNvPr id="44" name="Graphic 43">
+            <a:extLst>
+              <a:ext uri="{FF2B5EF4-FFF2-40B4-BE49-F238E27FC236}">
+                <a16:creationId xmlns:a16="http://schemas.microsoft.com/office/drawing/2014/main" id="{4499FDDB-DCEF-4D6A-B032-AB22DD59CAF8}"/>
+              </a:ext>
+            </a:extLst>
+          </p:cNvPr>
+          <p:cNvPicPr>
+            <a:picLocks noChangeAspect="1"/>
+          </p:cNvPicPr>
+          <p:nvPr/>
+        </p:nvPicPr>
+        <p:blipFill>
+          <a:blip r:embed="rId4">
+            <a:extLst>
+              <a:ext uri="{28A0092B-C50C-407E-A947-70E740481C1C}">
+                <a14:useLocalDpi xmlns:a14="http://schemas.microsoft.com/office/drawing/2010/main" val="0"/>
+              </a:ext>
+              <a:ext uri="{96DAC541-7B7A-43D3-8B79-37D633B846F1}">
+                <asvg:svgBlip xmlns:asvg="http://schemas.microsoft.com/office/drawing/2016/SVG/main" r:embed="rId5"/>
+              </a:ext>
+            </a:extLst>
+          </a:blip>
+          <a:stretch>
+            <a:fillRect/>
+          </a:stretch>
+        </p:blipFill>
+        <p:spPr>
+          <a:xfrm>
+            <a:off x="805546" y="8566505"/>
+            <a:ext cx="581025" cy="581025"/>
+          </a:xfrm>
+          <a:prstGeom prst="rect">
+            <a:avLst/>
+          </a:prstGeom>
+        </p:spPr>
+      </p:pic>
+      <p:sp>
+        <p:nvSpPr>
+          <p:cNvPr id="3" name="Gedachtewolkje: wolk 2">
+            <a:extLst>
+              <a:ext uri="{FF2B5EF4-FFF2-40B4-BE49-F238E27FC236}">
+                <a16:creationId xmlns:a16="http://schemas.microsoft.com/office/drawing/2014/main" id="{D4E5EACC-E868-461E-A036-2AF4E9B21603}"/>
+              </a:ext>
+            </a:extLst>
+          </p:cNvPr>
+          <p:cNvSpPr/>
+          <p:nvPr/>
+        </p:nvSpPr>
+        <p:spPr>
+          <a:xfrm>
+            <a:off x="805546" y="7744895"/>
+            <a:ext cx="1190625" cy="701318"/>
+          </a:xfrm>
+          <a:prstGeom prst="cloudCallout">
+            <a:avLst/>
+          </a:prstGeom>
+        </p:spPr>
+        <p:style>
+          <a:lnRef idx="2">
+            <a:schemeClr val="accent1">
+              <a:shade val="50000"/>
+            </a:schemeClr>
+          </a:lnRef>
+          <a:fillRef idx="1">
+            <a:schemeClr val="accent1"/>
+          </a:fillRef>
+          <a:effectRef idx="0">
+            <a:schemeClr val="accent1"/>
+          </a:effectRef>
+          <a:fontRef idx="minor">
+            <a:schemeClr val="lt1"/>
+          </a:fontRef>
+        </p:style>
+        <p:txBody>
+          <a:bodyPr rtlCol="0" anchor="ctr"/>
+          <a:lstStyle/>
+          <a:p>
+            <a:pPr algn="ctr"/>
+            <a:r>
+              <a:rPr lang="en-GB" dirty="0">
+                <a:sym typeface="Wingdings" panose="05000000000000000000" pitchFamily="2" charset="2"/>
+              </a:rPr>
+              <a:t></a:t>
+            </a:r>
+            <a:endParaRPr lang="en-GB" dirty="0"/>
+          </a:p>
+        </p:txBody>
+      </p:sp>
+      <p:sp>
+        <p:nvSpPr>
+          <p:cNvPr id="47" name="Pijl: rechts 46">
+            <a:extLst>
+              <a:ext uri="{FF2B5EF4-FFF2-40B4-BE49-F238E27FC236}">
+                <a16:creationId xmlns:a16="http://schemas.microsoft.com/office/drawing/2014/main" id="{B90EAC5D-61FF-4041-B3AE-04CDF2067F7D}"/>
+              </a:ext>
+            </a:extLst>
+          </p:cNvPr>
+          <p:cNvSpPr/>
+          <p:nvPr/>
+        </p:nvSpPr>
+        <p:spPr>
+          <a:xfrm>
+            <a:off x="2049095" y="8689708"/>
+            <a:ext cx="757180" cy="206692"/>
+          </a:xfrm>
+          <a:prstGeom prst="rightArrow">
+            <a:avLst/>
+          </a:prstGeom>
+        </p:spPr>
+        <p:style>
+          <a:lnRef idx="2">
+            <a:schemeClr val="accent1">
+              <a:shade val="50000"/>
+            </a:schemeClr>
+          </a:lnRef>
+          <a:fillRef idx="1">
+            <a:schemeClr val="accent1"/>
+          </a:fillRef>
+          <a:effectRef idx="0">
+            <a:schemeClr val="accent1"/>
+          </a:effectRef>
+          <a:fontRef idx="minor">
+            <a:schemeClr val="lt1"/>
+          </a:fontRef>
+        </p:style>
+        <p:txBody>
+          <a:bodyPr rtlCol="0" anchor="ctr"/>
+          <a:lstStyle/>
+          <a:p>
+            <a:pPr algn="ctr"/>
+            <a:endParaRPr lang="en-GB" dirty="0"/>
+          </a:p>
+        </p:txBody>
+      </p:sp>
+      <p:sp>
+        <p:nvSpPr>
+          <p:cNvPr id="51" name="Ovaal 50">
+            <a:extLst>
+              <a:ext uri="{FF2B5EF4-FFF2-40B4-BE49-F238E27FC236}">
+                <a16:creationId xmlns:a16="http://schemas.microsoft.com/office/drawing/2014/main" id="{00646F91-88A7-4163-B4E5-EB26221E0E05}"/>
+              </a:ext>
+            </a:extLst>
+          </p:cNvPr>
+          <p:cNvSpPr/>
+          <p:nvPr/>
+        </p:nvSpPr>
+        <p:spPr>
+          <a:xfrm flipH="1">
+            <a:off x="2998810" y="8660267"/>
+            <a:ext cx="301399" cy="265574"/>
+          </a:xfrm>
+          <a:prstGeom prst="ellipse">
+            <a:avLst/>
+          </a:prstGeom>
+          <a:solidFill>
+            <a:srgbClr val="00B050"/>
+          </a:solidFill>
+          <a:ln>
+            <a:solidFill>
+              <a:srgbClr val="00B050"/>
+            </a:solidFill>
+          </a:ln>
+        </p:spPr>
+        <p:style>
+          <a:lnRef idx="2">
+            <a:schemeClr val="accent1">
+              <a:shade val="50000"/>
+            </a:schemeClr>
+          </a:lnRef>
+          <a:fillRef idx="1">
+            <a:schemeClr val="accent1"/>
+          </a:fillRef>
+          <a:effectRef idx="0">
+            <a:schemeClr val="accent1"/>
+          </a:effectRef>
+          <a:fontRef idx="minor">
+            <a:schemeClr val="lt1"/>
+          </a:fontRef>
+        </p:style>
+        <p:txBody>
+          <a:bodyPr rtlCol="0" anchor="ctr"/>
+          <a:lstStyle/>
+          <a:p>
+            <a:pPr algn="ctr"/>
+            <a:r>
+              <a:rPr lang="en-GB" sz="1800" dirty="0">
+                <a:sym typeface="Wingdings" panose="05000000000000000000" pitchFamily="2" charset="2"/>
+              </a:rPr>
+              <a:t></a:t>
+            </a:r>
+            <a:endParaRPr lang="en-GB" sz="1800" dirty="0"/>
+          </a:p>
+        </p:txBody>
+      </p:sp>
+      <p:sp>
+        <p:nvSpPr>
+          <p:cNvPr id="60" name="Ovaal 59">
+            <a:extLst>
+              <a:ext uri="{FF2B5EF4-FFF2-40B4-BE49-F238E27FC236}">
+                <a16:creationId xmlns:a16="http://schemas.microsoft.com/office/drawing/2014/main" id="{9E8DE287-B8CD-4404-9742-98354A96B49C}"/>
+              </a:ext>
+            </a:extLst>
+          </p:cNvPr>
+          <p:cNvSpPr/>
+          <p:nvPr/>
+        </p:nvSpPr>
+        <p:spPr>
+          <a:xfrm flipH="1">
+            <a:off x="5144449" y="8645357"/>
+            <a:ext cx="301399" cy="265574"/>
+          </a:xfrm>
+          <a:prstGeom prst="ellipse">
+            <a:avLst/>
+          </a:prstGeom>
+        </p:spPr>
+        <p:style>
+          <a:lnRef idx="2">
+            <a:schemeClr val="accent1">
+              <a:shade val="50000"/>
+            </a:schemeClr>
+          </a:lnRef>
+          <a:fillRef idx="1">
+            <a:schemeClr val="accent1"/>
+          </a:fillRef>
+          <a:effectRef idx="0">
+            <a:schemeClr val="accent1"/>
+          </a:effectRef>
+          <a:fontRef idx="minor">
+            <a:schemeClr val="lt1"/>
+          </a:fontRef>
+        </p:style>
+        <p:txBody>
+          <a:bodyPr rtlCol="0" anchor="ctr"/>
+          <a:lstStyle/>
+          <a:p>
+            <a:pPr algn="ctr"/>
+            <a:endParaRPr lang="en-GB"/>
+          </a:p>
+        </p:txBody>
+      </p:sp>
+      <p:pic>
+        <p:nvPicPr>
+          <p:cNvPr id="61" name="Graphic 60">
+            <a:extLst>
+              <a:ext uri="{FF2B5EF4-FFF2-40B4-BE49-F238E27FC236}">
+                <a16:creationId xmlns:a16="http://schemas.microsoft.com/office/drawing/2014/main" id="{836B03E4-9677-4A70-96A7-29F13137C796}"/>
+              </a:ext>
+            </a:extLst>
+          </p:cNvPr>
+          <p:cNvPicPr>
+            <a:picLocks noChangeAspect="1"/>
+          </p:cNvPicPr>
+          <p:nvPr/>
+        </p:nvPicPr>
+        <p:blipFill>
+          <a:blip r:embed="rId4">
+            <a:extLst>
+              <a:ext uri="{28A0092B-C50C-407E-A947-70E740481C1C}">
+                <a14:useLocalDpi xmlns:a14="http://schemas.microsoft.com/office/drawing/2010/main" val="0"/>
+              </a:ext>
+              <a:ext uri="{96DAC541-7B7A-43D3-8B79-37D633B846F1}">
+                <asvg:svgBlip xmlns:asvg="http://schemas.microsoft.com/office/drawing/2016/SVG/main" r:embed="rId5"/>
+              </a:ext>
+            </a:extLst>
+          </a:blip>
+          <a:stretch>
+            <a:fillRect/>
+          </a:stretch>
+        </p:blipFill>
+        <p:spPr>
+          <a:xfrm>
+            <a:off x="4418514" y="8522154"/>
+            <a:ext cx="581025" cy="581025"/>
+          </a:xfrm>
+          <a:prstGeom prst="rect">
+            <a:avLst/>
+          </a:prstGeom>
+        </p:spPr>
+      </p:pic>
+      <p:sp>
+        <p:nvSpPr>
+          <p:cNvPr id="62" name="Gedachtewolkje: wolk 61">
+            <a:extLst>
+              <a:ext uri="{FF2B5EF4-FFF2-40B4-BE49-F238E27FC236}">
+                <a16:creationId xmlns:a16="http://schemas.microsoft.com/office/drawing/2014/main" id="{5040CA82-E986-4201-8DAB-F4D8004B3738}"/>
+              </a:ext>
+            </a:extLst>
+          </p:cNvPr>
+          <p:cNvSpPr/>
+          <p:nvPr/>
+        </p:nvSpPr>
+        <p:spPr>
+          <a:xfrm>
+            <a:off x="4418514" y="7700544"/>
+            <a:ext cx="1190625" cy="701318"/>
+          </a:xfrm>
+          <a:prstGeom prst="cloudCallout">
+            <a:avLst/>
+          </a:prstGeom>
+        </p:spPr>
+        <p:style>
+          <a:lnRef idx="2">
+            <a:schemeClr val="accent1">
+              <a:shade val="50000"/>
+            </a:schemeClr>
+          </a:lnRef>
+          <a:fillRef idx="1">
+            <a:schemeClr val="accent1"/>
+          </a:fillRef>
+          <a:effectRef idx="0">
+            <a:schemeClr val="accent1"/>
+          </a:effectRef>
+          <a:fontRef idx="minor">
+            <a:schemeClr val="lt1"/>
+          </a:fontRef>
+        </p:style>
+        <p:txBody>
+          <a:bodyPr rtlCol="0" anchor="ctr"/>
+          <a:lstStyle/>
+          <a:p>
+            <a:pPr algn="ctr"/>
+            <a:r>
+              <a:rPr lang="en-GB" dirty="0">
+                <a:sym typeface="Wingdings" panose="05000000000000000000" pitchFamily="2" charset="2"/>
+              </a:rPr>
+              <a:t></a:t>
+            </a:r>
+            <a:endParaRPr lang="en-GB" dirty="0"/>
+          </a:p>
+        </p:txBody>
+      </p:sp>
+      <p:sp>
+        <p:nvSpPr>
+          <p:cNvPr id="63" name="Pijl: rechts 62">
+            <a:extLst>
+              <a:ext uri="{FF2B5EF4-FFF2-40B4-BE49-F238E27FC236}">
+                <a16:creationId xmlns:a16="http://schemas.microsoft.com/office/drawing/2014/main" id="{D0B73EF8-609D-4063-ADE5-A37D05EBFF65}"/>
+              </a:ext>
+            </a:extLst>
+          </p:cNvPr>
+          <p:cNvSpPr/>
+          <p:nvPr/>
+        </p:nvSpPr>
+        <p:spPr>
+          <a:xfrm>
+            <a:off x="5662063" y="8645357"/>
+            <a:ext cx="757180" cy="206692"/>
+          </a:xfrm>
+          <a:prstGeom prst="rightArrow">
+            <a:avLst/>
+          </a:prstGeom>
+        </p:spPr>
+        <p:style>
+          <a:lnRef idx="2">
+            <a:schemeClr val="accent1">
+              <a:shade val="50000"/>
+            </a:schemeClr>
+          </a:lnRef>
+          <a:fillRef idx="1">
+            <a:schemeClr val="accent1"/>
+          </a:fillRef>
+          <a:effectRef idx="0">
+            <a:schemeClr val="accent1"/>
+          </a:effectRef>
+          <a:fontRef idx="minor">
+            <a:schemeClr val="lt1"/>
+          </a:fontRef>
+        </p:style>
+        <p:txBody>
+          <a:bodyPr rtlCol="0" anchor="ctr"/>
+          <a:lstStyle/>
+          <a:p>
+            <a:pPr algn="ctr"/>
+            <a:endParaRPr lang="en-GB" dirty="0"/>
+          </a:p>
+        </p:txBody>
+      </p:sp>
+      <p:sp>
+        <p:nvSpPr>
+          <p:cNvPr id="64" name="Ovaal 63">
+            <a:extLst>
+              <a:ext uri="{FF2B5EF4-FFF2-40B4-BE49-F238E27FC236}">
+                <a16:creationId xmlns:a16="http://schemas.microsoft.com/office/drawing/2014/main" id="{AF2CF5BE-A8C6-43AC-8CA2-1D587C79540C}"/>
+              </a:ext>
+            </a:extLst>
+          </p:cNvPr>
+          <p:cNvSpPr/>
+          <p:nvPr/>
+        </p:nvSpPr>
+        <p:spPr>
+          <a:xfrm flipH="1">
+            <a:off x="6611778" y="8615916"/>
+            <a:ext cx="301399" cy="265574"/>
+          </a:xfrm>
+          <a:prstGeom prst="ellipse">
+            <a:avLst/>
+          </a:prstGeom>
+          <a:solidFill>
+            <a:srgbClr val="FF0000"/>
+          </a:solidFill>
+          <a:ln>
+            <a:solidFill>
+              <a:srgbClr val="FF0000"/>
+            </a:solidFill>
+          </a:ln>
+        </p:spPr>
+        <p:style>
+          <a:lnRef idx="2">
+            <a:schemeClr val="accent1">
+              <a:shade val="50000"/>
+            </a:schemeClr>
+          </a:lnRef>
+          <a:fillRef idx="1">
+            <a:schemeClr val="accent1"/>
+          </a:fillRef>
+          <a:effectRef idx="0">
+            <a:schemeClr val="accent1"/>
+          </a:effectRef>
+          <a:fontRef idx="minor">
+            <a:schemeClr val="lt1"/>
+          </a:fontRef>
+        </p:style>
+        <p:txBody>
+          <a:bodyPr rtlCol="0" anchor="ctr"/>
+          <a:lstStyle/>
+          <a:p>
+            <a:pPr algn="ctr"/>
+            <a:r>
+              <a:rPr lang="en-GB" sz="1800" dirty="0">
+                <a:sym typeface="Wingdings" panose="05000000000000000000" pitchFamily="2" charset="2"/>
+              </a:rPr>
+              <a:t></a:t>
+            </a:r>
+            <a:endParaRPr lang="en-GB" sz="1800" dirty="0"/>
+          </a:p>
+        </p:txBody>
+      </p:sp>
+      <p:pic>
+        <p:nvPicPr>
+          <p:cNvPr id="5" name="Afbeelding 4">
+            <a:extLst>
+              <a:ext uri="{FF2B5EF4-FFF2-40B4-BE49-F238E27FC236}">
+                <a16:creationId xmlns:a16="http://schemas.microsoft.com/office/drawing/2014/main" id="{3C613BA5-6942-4EEB-92CB-9EE0F4ACB51B}"/>
+              </a:ext>
+            </a:extLst>
+          </p:cNvPr>
+          <p:cNvPicPr>
+            <a:picLocks noChangeAspect="1"/>
+          </p:cNvPicPr>
+          <p:nvPr/>
+        </p:nvPicPr>
+        <p:blipFill>
+          <a:blip r:embed="rId6"/>
+          <a:stretch>
+            <a:fillRect/>
+          </a:stretch>
+        </p:blipFill>
+        <p:spPr>
+          <a:xfrm>
+            <a:off x="1967762" y="8388248"/>
+            <a:ext cx="1292464" cy="377985"/>
+          </a:xfrm>
+          <a:prstGeom prst="rect">
+            <a:avLst/>
+          </a:prstGeom>
+        </p:spPr>
+      </p:pic>
+      <p:cxnSp>
+        <p:nvCxnSpPr>
+          <p:cNvPr id="7" name="Rechte verbindingslijn 6">
+            <a:extLst>
+              <a:ext uri="{FF2B5EF4-FFF2-40B4-BE49-F238E27FC236}">
+                <a16:creationId xmlns:a16="http://schemas.microsoft.com/office/drawing/2014/main" id="{9839405F-729F-40D6-818E-1010C450DF11}"/>
+              </a:ext>
+            </a:extLst>
+          </p:cNvPr>
+          <p:cNvCxnSpPr>
+            <a:cxnSpLocks/>
+          </p:cNvCxnSpPr>
+          <p:nvPr/>
+        </p:nvCxnSpPr>
+        <p:spPr>
+          <a:xfrm>
+            <a:off x="3859448" y="8229600"/>
+            <a:ext cx="0" cy="969816"/>
+          </a:xfrm>
+          <a:prstGeom prst="line">
+            <a:avLst/>
+          </a:prstGeom>
+        </p:spPr>
+        <p:style>
+          <a:lnRef idx="1">
+            <a:schemeClr val="dk1"/>
+          </a:lnRef>
+          <a:fillRef idx="0">
+            <a:schemeClr val="dk1"/>
+          </a:fillRef>
+          <a:effectRef idx="0">
+            <a:schemeClr val="dk1"/>
+          </a:effectRef>
+          <a:fontRef idx="minor">
+            <a:schemeClr val="tx1"/>
+          </a:fontRef>
+        </p:style>
+      </p:cxnSp>
+      <p:sp>
+        <p:nvSpPr>
+          <p:cNvPr id="70" name="Tekstvak 69">
+            <a:extLst>
+              <a:ext uri="{FF2B5EF4-FFF2-40B4-BE49-F238E27FC236}">
+                <a16:creationId xmlns:a16="http://schemas.microsoft.com/office/drawing/2014/main" id="{C028DD87-145B-411F-B527-F46799E31A77}"/>
+              </a:ext>
+            </a:extLst>
+          </p:cNvPr>
+          <p:cNvSpPr txBox="1"/>
+          <p:nvPr/>
+        </p:nvSpPr>
+        <p:spPr>
+          <a:xfrm>
+            <a:off x="5504460" y="8382779"/>
+            <a:ext cx="1270609" cy="307777"/>
+          </a:xfrm>
+          <a:prstGeom prst="rect">
+            <a:avLst/>
+          </a:prstGeom>
+          <a:noFill/>
+        </p:spPr>
+        <p:txBody>
+          <a:bodyPr wrap="square" rtlCol="0">
+            <a:spAutoFit/>
+          </a:bodyPr>
+          <a:lstStyle/>
+          <a:p>
+            <a:r>
+              <a:rPr lang="en-GB" sz="1400" dirty="0">
+                <a:latin typeface="Times New Roman" panose="02020603050405020304" pitchFamily="18" charset="0"/>
+                <a:cs typeface="Times New Roman" panose="02020603050405020304" pitchFamily="18" charset="0"/>
+              </a:rPr>
+              <a:t>consumption</a:t>
+            </a:r>
+          </a:p>
+        </p:txBody>
+      </p:sp>
+      <p:pic>
+        <p:nvPicPr>
+          <p:cNvPr id="12" name="Afbeelding 11">
+            <a:extLst>
+              <a:ext uri="{FF2B5EF4-FFF2-40B4-BE49-F238E27FC236}">
+                <a16:creationId xmlns:a16="http://schemas.microsoft.com/office/drawing/2014/main" id="{27D3DC0F-7A94-4F36-8E41-71AB96980E5E}"/>
+              </a:ext>
+            </a:extLst>
+          </p:cNvPr>
+          <p:cNvPicPr>
+            <a:picLocks noChangeAspect="1"/>
+          </p:cNvPicPr>
+          <p:nvPr/>
+        </p:nvPicPr>
+        <p:blipFill>
+          <a:blip r:embed="rId7"/>
+          <a:stretch>
+            <a:fillRect/>
+          </a:stretch>
+        </p:blipFill>
+        <p:spPr>
+          <a:xfrm>
+            <a:off x="18548674" y="4046116"/>
+            <a:ext cx="2773068" cy="2528855"/>
+          </a:xfrm>
+          <a:prstGeom prst="rect">
+            <a:avLst/>
+          </a:prstGeom>
+        </p:spPr>
+      </p:pic>
     </p:spTree>
     <p:extLst>
       <p:ext uri="{BB962C8B-B14F-4D97-AF65-F5344CB8AC3E}">

--- a/posterPresFilterBubbles.pptx
+++ b/posterPresFilterBubbles.pptx
@@ -19072,22 +19072,30 @@
         <p:spPr>
           <a:xfrm>
             <a:off x="603550" y="3264070"/>
-            <a:ext cx="6698012" cy="6523970"/>
+            <a:ext cx="6698012" cy="7219546"/>
           </a:xfrm>
         </p:spPr>
         <p:txBody>
           <a:bodyPr/>
           <a:lstStyle/>
           <a:p>
+            <a:pPr>
+              <a:spcAft>
+                <a:spcPts val="600"/>
+              </a:spcAft>
+            </a:pPr>
             <a:r>
-              <a:rPr lang="en-US" sz="2000" b="1" dirty="0"/>
+              <a:rPr lang="en-US" sz="2400" b="1" dirty="0"/>
               <a:t>Feared Recommender System side effects</a:t>
             </a:r>
-          </a:p>
-          <a:p>
             <a:endParaRPr lang="en-US" sz="1800" b="1" dirty="0"/>
           </a:p>
           <a:p>
+            <a:pPr>
+              <a:spcBef>
+                <a:spcPts val="0"/>
+              </a:spcBef>
+            </a:pPr>
             <a:r>
               <a:rPr lang="en-US" sz="2200" b="1" dirty="0"/>
               <a:t>Filter bubble: </a:t>
@@ -19098,28 +19106,65 @@
             </a:r>
           </a:p>
           <a:p>
+            <a:pPr>
+              <a:spcBef>
+                <a:spcPts val="0"/>
+              </a:spcBef>
+            </a:pPr>
             <a:r>
               <a:rPr lang="en-US" sz="2200" dirty="0"/>
               <a:t>isolated from a diversity of </a:t>
             </a:r>
           </a:p>
           <a:p>
+            <a:pPr>
+              <a:spcBef>
+                <a:spcPts val="0"/>
+              </a:spcBef>
+              <a:spcAft>
+                <a:spcPts val="600"/>
+              </a:spcAft>
+            </a:pPr>
             <a:r>
               <a:rPr lang="en-US" sz="2200" dirty="0"/>
               <a:t>viewpoints or content</a:t>
             </a:r>
           </a:p>
           <a:p>
-            <a:endParaRPr lang="en-US" sz="2200" dirty="0"/>
-          </a:p>
-          <a:p>
+            <a:pPr>
+              <a:spcBef>
+                <a:spcPts val="0"/>
+              </a:spcBef>
+            </a:pPr>
             <a:r>
               <a:rPr lang="en-US" sz="2200" b="1" dirty="0"/>
               <a:t>Homogenization: </a:t>
             </a:r>
             <a:r>
               <a:rPr lang="en-US" sz="2200" dirty="0"/>
-              <a:t> the behavior in a group of users becomes more similar</a:t>
+              <a:t> the behavior</a:t>
+            </a:r>
+          </a:p>
+          <a:p>
+            <a:pPr>
+              <a:spcBef>
+                <a:spcPts val="0"/>
+              </a:spcBef>
+            </a:pPr>
+            <a:r>
+              <a:rPr lang="en-US" sz="2200" dirty="0"/>
+              <a:t> in a group of users becomes </a:t>
+            </a:r>
+          </a:p>
+          <a:p>
+            <a:pPr>
+              <a:spcBef>
+                <a:spcPts val="0"/>
+              </a:spcBef>
+            </a:pPr>
+            <a:r>
+              <a:rPr lang="en-US" sz="2200" dirty="0"/>
+              <a:t>more similar</a:t>
             </a:r>
           </a:p>
           <a:p>
@@ -19140,7 +19185,38 @@
             </a:r>
           </a:p>
           <a:p>
-            <a:endParaRPr lang="en-US" sz="2200" dirty="0"/>
+            <a:r>
+              <a:rPr lang="en-US" sz="2200" dirty="0"/>
+              <a:t>Study how recommender systems </a:t>
+            </a:r>
+            <a:r>
+              <a:rPr lang="en-US" sz="2200" b="1" dirty="0"/>
+              <a:t>influence</a:t>
+            </a:r>
+            <a:r>
+              <a:rPr lang="en-US" sz="2200" dirty="0"/>
+              <a:t> user behavior for:</a:t>
+            </a:r>
+          </a:p>
+          <a:p>
+            <a:pPr marL="342900" indent="-342900">
+              <a:buFont typeface="Arial" panose="020B0604020202020204" pitchFamily="34" charset="0"/>
+              <a:buChar char="•"/>
+            </a:pPr>
+            <a:r>
+              <a:rPr lang="en-US" sz="2200" dirty="0"/>
+              <a:t>Consequences</a:t>
+            </a:r>
+          </a:p>
+          <a:p>
+            <a:pPr marL="342900" indent="-342900">
+              <a:buFont typeface="Arial" panose="020B0604020202020204" pitchFamily="34" charset="0"/>
+              <a:buChar char="•"/>
+            </a:pPr>
+            <a:r>
+              <a:rPr lang="en-US" sz="2200" dirty="0"/>
+              <a:t>Design</a:t>
+            </a:r>
           </a:p>
           <a:p>
             <a:endParaRPr lang="en-US" sz="2200" dirty="0"/>
@@ -19265,7 +19341,7 @@
               <a:buChar char="•"/>
             </a:pPr>
             <a:r>
-              <a:rPr lang="en-US" sz="2000" b="1" dirty="0">
+              <a:rPr lang="en-US" sz="1800" b="1" dirty="0">
                 <a:solidFill>
                   <a:schemeClr val="accent5">
                     <a:lumMod val="50000"/>
@@ -19277,7 +19353,7 @@
               <a:t>Experience goods: </a:t>
             </a:r>
             <a:r>
-              <a:rPr lang="en-US" sz="2000" dirty="0">
+              <a:rPr lang="en-US" sz="1800" dirty="0">
                 <a:solidFill>
                   <a:schemeClr val="accent5">
                     <a:lumMod val="50000"/>
@@ -19374,15 +19450,166 @@
         </p:nvSpPr>
         <p:spPr>
           <a:xfrm>
-            <a:off x="7730238" y="3281096"/>
-            <a:ext cx="13813365" cy="477252"/>
+            <a:off x="7730239" y="3281097"/>
+            <a:ext cx="6900162" cy="8075164"/>
           </a:xfrm>
         </p:spPr>
         <p:txBody>
           <a:bodyPr/>
           <a:lstStyle/>
           <a:p>
-            <a:endParaRPr lang="en-US" sz="1387" dirty="0"/>
+            <a:r>
+              <a:rPr lang="en-US" sz="2400" b="1" dirty="0"/>
+              <a:t>User Decisions</a:t>
+            </a:r>
+          </a:p>
+          <a:p>
+            <a:r>
+              <a:rPr lang="en-US" sz="2200" dirty="0"/>
+              <a:t>Each user assigns a monetary value to the experience of consuming an item.</a:t>
+            </a:r>
+          </a:p>
+          <a:p>
+            <a:endParaRPr lang="en-US" sz="2200" dirty="0"/>
+          </a:p>
+          <a:p>
+            <a:pPr>
+              <a:spcBef>
+                <a:spcPts val="0"/>
+              </a:spcBef>
+            </a:pPr>
+            <a:r>
+              <a:rPr lang="en-US" sz="2200" dirty="0"/>
+              <a:t>Consumption of an item = gamble.</a:t>
+            </a:r>
+          </a:p>
+          <a:p>
+            <a:pPr>
+              <a:spcBef>
+                <a:spcPts val="0"/>
+              </a:spcBef>
+            </a:pPr>
+            <a:r>
+              <a:rPr lang="en-US" sz="2200" dirty="0"/>
+              <a:t>User evaluates an item by its expected utility</a:t>
+            </a:r>
+          </a:p>
+          <a:p>
+            <a:r>
+              <a:rPr lang="en-US" sz="2200" dirty="0"/>
+              <a:t>A user is </a:t>
+            </a:r>
+            <a:r>
+              <a:rPr lang="en-US" sz="2200" b="1" dirty="0"/>
+              <a:t>risk-averse</a:t>
+            </a:r>
+            <a:r>
+              <a:rPr lang="en-US" sz="2200" dirty="0"/>
+              <a:t> if he prefers the sure thing to a gamble</a:t>
+            </a:r>
+          </a:p>
+          <a:p>
+            <a:r>
+              <a:rPr lang="en-US" sz="1800" dirty="0"/>
+              <a:t>The certainty equivalent is how much extra money the gamble should give for the user to be indifferent between the sure thing and the gamble</a:t>
+            </a:r>
+          </a:p>
+          <a:p>
+            <a:endParaRPr lang="en-US" sz="2200" dirty="0"/>
+          </a:p>
+          <a:p>
+            <a:r>
+              <a:rPr lang="en-US" sz="2200" dirty="0"/>
+              <a:t>User i’s </a:t>
+            </a:r>
+            <a:r>
+              <a:rPr lang="en-US" sz="2200" b="1" dirty="0"/>
+              <a:t>realized value </a:t>
+            </a:r>
+            <a:r>
+              <a:rPr lang="en-US" sz="2200" dirty="0"/>
+              <a:t>when consuming item n</a:t>
+            </a:r>
+          </a:p>
+          <a:p>
+            <a:pPr marL="342900" indent="-342900">
+              <a:buFont typeface="Arial" panose="020B0604020202020204" pitchFamily="34" charset="0"/>
+              <a:buChar char="•"/>
+            </a:pPr>
+            <a:r>
+              <a:rPr lang="en-US" sz="2200" dirty="0"/>
+              <a:t> </a:t>
+            </a:r>
+          </a:p>
+          <a:p>
+            <a:pPr marL="342900" indent="-342900">
+              <a:buFont typeface="Arial" panose="020B0604020202020204" pitchFamily="34" charset="0"/>
+              <a:buChar char="•"/>
+            </a:pPr>
+            <a:r>
+              <a:rPr lang="en-US" sz="1800" dirty="0"/>
+              <a:t>          Idiosyncratic component + weighted common-value</a:t>
+            </a:r>
+          </a:p>
+          <a:p>
+            <a:pPr marL="342900" indent="-342900">
+              <a:buFont typeface="Arial" panose="020B0604020202020204" pitchFamily="34" charset="0"/>
+              <a:buChar char="•"/>
+            </a:pPr>
+            <a:r>
+              <a:rPr lang="en-US" sz="2200" dirty="0"/>
+              <a:t>Users have </a:t>
+            </a:r>
+            <a:r>
+              <a:rPr lang="en-US" sz="2200" b="1" dirty="0"/>
+              <a:t>beliefs</a:t>
+            </a:r>
+            <a:r>
+              <a:rPr lang="en-US" sz="2200" dirty="0"/>
+              <a:t> over the valuation of an item</a:t>
+            </a:r>
+          </a:p>
+          <a:p>
+            <a:r>
+              <a:rPr lang="en-US" sz="2200" dirty="0"/>
+              <a:t>Assumption: users </a:t>
+            </a:r>
+            <a:r>
+              <a:rPr lang="en-US" sz="2200" b="1" dirty="0"/>
+              <a:t>maximize the expected utility</a:t>
+            </a:r>
+          </a:p>
+          <a:p>
+            <a:pPr marL="342900" indent="-342900">
+              <a:buFont typeface="Arial" panose="020B0604020202020204" pitchFamily="34" charset="0"/>
+              <a:buChar char="•"/>
+            </a:pPr>
+            <a:r>
+              <a:rPr lang="en-US" sz="2200" dirty="0"/>
+              <a:t>Cert. eq. </a:t>
+            </a:r>
+          </a:p>
+          <a:p>
+            <a:pPr marL="342900" indent="-342900">
+              <a:buFont typeface="Arial" panose="020B0604020202020204" pitchFamily="34" charset="0"/>
+              <a:buChar char="•"/>
+            </a:pPr>
+            <a:r>
+              <a:rPr lang="en-US" sz="1800" dirty="0"/>
+              <a:t>Expected value for item n – weighted variance for item</a:t>
+            </a:r>
+          </a:p>
+          <a:p>
+            <a:r>
+              <a:rPr lang="en-US" sz="2200" dirty="0"/>
+              <a:t>    </a:t>
+            </a:r>
+          </a:p>
+          <a:p>
+            <a:endParaRPr lang="en-US" sz="2200" dirty="0"/>
+          </a:p>
+          <a:p>
+            <a:endParaRPr lang="en-US" sz="2200" dirty="0"/>
           </a:p>
         </p:txBody>
       </p:sp>
@@ -19426,16 +19653,77 @@
         <p:spPr>
           <a:xfrm>
             <a:off x="7724776" y="11171876"/>
-            <a:ext cx="13813366" cy="477252"/>
+            <a:ext cx="13813366" cy="2575197"/>
           </a:xfrm>
         </p:spPr>
         <p:txBody>
           <a:bodyPr/>
           <a:lstStyle/>
           <a:p>
+            <a:pPr>
+              <a:spcAft>
+                <a:spcPts val="600"/>
+              </a:spcAft>
+            </a:pPr>
             <a:r>
-              <a:rPr lang="en-US" sz="1387" dirty="0"/>
-              <a:t>Either graphs here, or covering the entire length?</a:t>
+              <a:rPr lang="en-US" sz="2200" dirty="0"/>
+              <a:t>Characterized as the amount of </a:t>
+            </a:r>
+            <a:r>
+              <a:rPr lang="en-US" sz="2200" b="1" dirty="0"/>
+              <a:t>local consumption </a:t>
+            </a:r>
+            <a:r>
+              <a:rPr lang="en-US" sz="2200" dirty="0"/>
+              <a:t>the users engage in</a:t>
+            </a:r>
+          </a:p>
+          <a:p>
+            <a:pPr>
+              <a:spcBef>
+                <a:spcPts val="0"/>
+              </a:spcBef>
+            </a:pPr>
+            <a:r>
+              <a:rPr lang="en-US" sz="2200" dirty="0"/>
+              <a:t>Local consumption = average consumption distance between items consumed at time</a:t>
+            </a:r>
+          </a:p>
+          <a:p>
+            <a:pPr>
+              <a:spcBef>
+                <a:spcPts val="0"/>
+              </a:spcBef>
+            </a:pPr>
+            <a:r>
+              <a:rPr lang="en-US" sz="2200" dirty="0"/>
+              <a:t> t-1 and t</a:t>
+            </a:r>
+          </a:p>
+          <a:p>
+            <a:r>
+              <a:rPr lang="en-US" sz="2200" dirty="0"/>
+              <a:t>Filter bubble effect when:</a:t>
+            </a:r>
+          </a:p>
+          <a:p>
+            <a:pPr marL="342900" indent="-342900">
+              <a:buFont typeface="Arial" panose="020B0604020202020204" pitchFamily="34" charset="0"/>
+              <a:buChar char="•"/>
+            </a:pPr>
+            <a:r>
+              <a:rPr lang="en-US" sz="2200" dirty="0"/>
+              <a:t>Average consumption distance decreases over time</a:t>
+            </a:r>
+          </a:p>
+          <a:p>
+            <a:pPr marL="342900" indent="-342900">
+              <a:buFont typeface="Arial" panose="020B0604020202020204" pitchFamily="34" charset="0"/>
+              <a:buChar char="•"/>
+            </a:pPr>
+            <a:r>
+              <a:rPr lang="en-US" sz="2200" dirty="0"/>
+              <a:t>Levels are lower for given recommendation case than for another case</a:t>
             </a:r>
           </a:p>
         </p:txBody>
@@ -19450,12 +19738,20 @@
             <p:ph type="body" sz="quarter" idx="24"/>
           </p:nvPr>
         </p:nvSpPr>
-        <p:spPr/>
+        <p:spPr>
+          <a:xfrm>
+            <a:off x="7724776" y="10452734"/>
+            <a:ext cx="13813366" cy="597961"/>
+          </a:xfrm>
+        </p:spPr>
         <p:txBody>
           <a:bodyPr/>
           <a:lstStyle/>
           <a:p>
-            <a:endParaRPr lang="en-US"/>
+            <a:r>
+              <a:rPr lang="en-US" sz="3200" dirty="0"/>
+              <a:t>Filter bubble effect</a:t>
+            </a:r>
           </a:p>
         </p:txBody>
       </p:sp>
@@ -19469,12 +19765,20 @@
             <p:ph type="body" sz="quarter" idx="25"/>
           </p:nvPr>
         </p:nvSpPr>
-        <p:spPr/>
+        <p:spPr>
+          <a:xfrm>
+            <a:off x="21973955" y="2548231"/>
+            <a:ext cx="6698012" cy="597961"/>
+          </a:xfrm>
+        </p:spPr>
         <p:txBody>
           <a:bodyPr/>
           <a:lstStyle/>
           <a:p>
-            <a:endParaRPr lang="en-US"/>
+            <a:r>
+              <a:rPr lang="en-US" sz="3200" dirty="0"/>
+              <a:t>User homogenization</a:t>
+            </a:r>
           </a:p>
         </p:txBody>
       </p:sp>
@@ -19491,7 +19795,7 @@
         <p:spPr>
           <a:xfrm>
             <a:off x="21959238" y="3264070"/>
-            <a:ext cx="6698012" cy="477252"/>
+            <a:ext cx="6698012" cy="940904"/>
           </a:xfrm>
         </p:spPr>
         <p:txBody>
@@ -19499,8 +19803,16 @@
           <a:lstStyle/>
           <a:p>
             <a:r>
-              <a:rPr lang="en-US" sz="1387" dirty="0"/>
-              <a:t>Describing different graphs?</a:t>
+              <a:rPr lang="en-US" sz="2200" dirty="0"/>
+              <a:t>Measured via </a:t>
+            </a:r>
+            <a:r>
+              <a:rPr lang="en-US" sz="2200" dirty="0" err="1"/>
+              <a:t>jaccard</a:t>
+            </a:r>
+            <a:r>
+              <a:rPr lang="en-US" sz="2200" dirty="0"/>
+              <a:t> index between the consumption sets of users</a:t>
             </a:r>
           </a:p>
         </p:txBody>
@@ -19515,12 +19827,20 @@
             <p:ph type="body" sz="quarter" idx="27"/>
           </p:nvPr>
         </p:nvSpPr>
-        <p:spPr/>
+        <p:spPr>
+          <a:xfrm>
+            <a:off x="21913538" y="8492980"/>
+            <a:ext cx="6698012" cy="597961"/>
+          </a:xfrm>
+        </p:spPr>
         <p:txBody>
           <a:bodyPr/>
           <a:lstStyle/>
           <a:p>
-            <a:endParaRPr lang="en-US"/>
+            <a:r>
+              <a:rPr lang="en-US" sz="3200" dirty="0"/>
+              <a:t>Diversity</a:t>
+            </a:r>
           </a:p>
         </p:txBody>
       </p:sp>
@@ -19536,15 +19856,36 @@
         </p:nvSpPr>
         <p:spPr>
           <a:xfrm>
-            <a:off x="21972279" y="7544139"/>
-            <a:ext cx="6701366" cy="477252"/>
+            <a:off x="21914786" y="8917952"/>
+            <a:ext cx="6701366" cy="1685723"/>
           </a:xfrm>
         </p:spPr>
         <p:txBody>
           <a:bodyPr/>
           <a:lstStyle/>
           <a:p>
-            <a:endParaRPr lang="en-US" sz="1387"/>
+            <a:r>
+              <a:rPr lang="en-US" sz="2200" dirty="0"/>
+              <a:t>Defined as average pairwise distance between the items in a consumption set</a:t>
+            </a:r>
+          </a:p>
+          <a:p>
+            <a:r>
+              <a:rPr lang="en-US" sz="2200" dirty="0"/>
+              <a:t>Decreases when </a:t>
+            </a:r>
+            <a:r>
+              <a:rPr lang="en-US" sz="2200" b="1" dirty="0"/>
+              <a:t>spillover increases</a:t>
+            </a:r>
+            <a:r>
+              <a:rPr lang="en-US" sz="2200" dirty="0"/>
+              <a:t>, heightened effect by </a:t>
+            </a:r>
+            <a:r>
+              <a:rPr lang="en-US" sz="2200" b="1" dirty="0"/>
+              <a:t>risk-aversity</a:t>
+            </a:r>
           </a:p>
         </p:txBody>
       </p:sp>
@@ -19558,12 +19899,20 @@
             <p:ph type="body" sz="quarter" idx="29"/>
           </p:nvPr>
         </p:nvSpPr>
-        <p:spPr/>
+        <p:spPr>
+          <a:xfrm>
+            <a:off x="21973955" y="13160782"/>
+            <a:ext cx="6698012" cy="597961"/>
+          </a:xfrm>
+        </p:spPr>
         <p:txBody>
           <a:bodyPr/>
           <a:lstStyle/>
           <a:p>
-            <a:endParaRPr lang="en-US" dirty="0"/>
+            <a:r>
+              <a:rPr lang="en-US" sz="3200" dirty="0"/>
+              <a:t>Recommender system Design</a:t>
+            </a:r>
           </a:p>
         </p:txBody>
       </p:sp>
@@ -19580,14 +19929,52 @@
         <p:spPr>
           <a:xfrm>
             <a:off x="21970601" y="13627693"/>
-            <a:ext cx="6701366" cy="477252"/>
+            <a:ext cx="6701366" cy="3089184"/>
           </a:xfrm>
         </p:spPr>
         <p:txBody>
           <a:bodyPr/>
           <a:lstStyle/>
           <a:p>
-            <a:endParaRPr lang="en-US" sz="1387" dirty="0"/>
+            <a:r>
+              <a:rPr lang="en-US" sz="2200" dirty="0"/>
+              <a:t>Good recommendations are not always useful</a:t>
+            </a:r>
+          </a:p>
+          <a:p>
+            <a:r>
+              <a:rPr lang="en-US" sz="1800" dirty="0"/>
+              <a:t>Not useful if user would make interference themselves</a:t>
+            </a:r>
+          </a:p>
+          <a:p>
+            <a:r>
+              <a:rPr lang="en-US" sz="1800" dirty="0"/>
+              <a:t>e.g. Frozen </a:t>
+            </a:r>
+            <a:r>
+              <a:rPr lang="en-US" sz="1800" dirty="0">
+                <a:sym typeface="Wingdings" panose="05000000000000000000" pitchFamily="2" charset="2"/>
+              </a:rPr>
+              <a:t> =&gt; Frozen 2 </a:t>
+            </a:r>
+          </a:p>
+          <a:p>
+            <a:endParaRPr lang="en-US" sz="1800" dirty="0">
+              <a:sym typeface="Wingdings" panose="05000000000000000000" pitchFamily="2" charset="2"/>
+            </a:endParaRPr>
+          </a:p>
+          <a:p>
+            <a:r>
+              <a:rPr lang="en-US" sz="2200" dirty="0">
+                <a:sym typeface="Wingdings" panose="05000000000000000000" pitchFamily="2" charset="2"/>
+              </a:rPr>
+              <a:t>Instead predict what the most useful information is, leading the user to change the item they will eventually consume</a:t>
+            </a:r>
+            <a:endParaRPr lang="en-US" sz="2200" dirty="0"/>
+          </a:p>
+          <a:p>
+            <a:endParaRPr lang="en-US" sz="2200" dirty="0"/>
           </a:p>
         </p:txBody>
       </p:sp>
@@ -19726,8 +20113,8 @@
         </p:blipFill>
         <p:spPr>
           <a:xfrm>
-            <a:off x="4552480" y="3795521"/>
-            <a:ext cx="2413806" cy="1811742"/>
+            <a:off x="4552480" y="3925807"/>
+            <a:ext cx="2585395" cy="1940532"/>
           </a:xfrm>
           <a:prstGeom prst="rect">
             <a:avLst/>
@@ -19925,7 +20312,7 @@
         </p:nvSpPr>
         <p:spPr>
           <a:xfrm flipH="1">
-            <a:off x="1531481" y="8689708"/>
+            <a:off x="1583581" y="9203409"/>
             <a:ext cx="301399" cy="265574"/>
           </a:xfrm>
           <a:prstGeom prst="ellipse">
@@ -20226,7 +20613,7 @@
         </p:blipFill>
         <p:spPr>
           <a:xfrm>
-            <a:off x="805546" y="8566505"/>
+            <a:off x="857646" y="9080206"/>
             <a:ext cx="581025" cy="581025"/>
           </a:xfrm>
           <a:prstGeom prst="rect">
@@ -20248,7 +20635,7 @@
         </p:nvSpPr>
         <p:spPr>
           <a:xfrm>
-            <a:off x="805546" y="7744895"/>
+            <a:off x="857646" y="8258596"/>
             <a:ext cx="1190625" cy="701318"/>
           </a:xfrm>
           <a:prstGeom prst="cloudCallout">
@@ -20300,7 +20687,7 @@
         </p:nvSpPr>
         <p:spPr>
           <a:xfrm>
-            <a:off x="2049095" y="8689708"/>
+            <a:off x="2101195" y="9203409"/>
             <a:ext cx="757180" cy="206692"/>
           </a:xfrm>
           <a:prstGeom prst="rightArrow">
@@ -20346,7 +20733,7 @@
         </p:nvSpPr>
         <p:spPr>
           <a:xfrm flipH="1">
-            <a:off x="2998810" y="8660267"/>
+            <a:off x="3050910" y="9173968"/>
             <a:ext cx="301399" cy="265574"/>
           </a:xfrm>
           <a:prstGeom prst="ellipse">
@@ -20406,7 +20793,7 @@
         </p:nvSpPr>
         <p:spPr>
           <a:xfrm flipH="1">
-            <a:off x="5144449" y="8645357"/>
+            <a:off x="5196549" y="9159058"/>
             <a:ext cx="301399" cy="265574"/>
           </a:xfrm>
           <a:prstGeom prst="ellipse">
@@ -20469,7 +20856,7 @@
         </p:blipFill>
         <p:spPr>
           <a:xfrm>
-            <a:off x="4418514" y="8522154"/>
+            <a:off x="4470614" y="9035855"/>
             <a:ext cx="581025" cy="581025"/>
           </a:xfrm>
           <a:prstGeom prst="rect">
@@ -20491,7 +20878,7 @@
         </p:nvSpPr>
         <p:spPr>
           <a:xfrm>
-            <a:off x="4418514" y="7700544"/>
+            <a:off x="4470614" y="8214245"/>
             <a:ext cx="1190625" cy="701318"/>
           </a:xfrm>
           <a:prstGeom prst="cloudCallout">
@@ -20543,7 +20930,7 @@
         </p:nvSpPr>
         <p:spPr>
           <a:xfrm>
-            <a:off x="5662063" y="8645357"/>
+            <a:off x="5714163" y="9159058"/>
             <a:ext cx="757180" cy="206692"/>
           </a:xfrm>
           <a:prstGeom prst="rightArrow">
@@ -20589,7 +20976,7 @@
         </p:nvSpPr>
         <p:spPr>
           <a:xfrm flipH="1">
-            <a:off x="6611778" y="8615916"/>
+            <a:off x="6663878" y="9129617"/>
             <a:ext cx="301399" cy="265574"/>
           </a:xfrm>
           <a:prstGeom prst="ellipse">
@@ -20657,7 +21044,7 @@
         </p:blipFill>
         <p:spPr>
           <a:xfrm>
-            <a:off x="1967762" y="8388248"/>
+            <a:off x="2019862" y="8901949"/>
             <a:ext cx="1292464" cy="377985"/>
           </a:xfrm>
           <a:prstGeom prst="rect">
@@ -20681,7 +21068,7 @@
         </p:nvCxnSpPr>
         <p:spPr>
           <a:xfrm>
-            <a:off x="3859448" y="8229600"/>
+            <a:off x="3911548" y="8743301"/>
             <a:ext cx="0" cy="969816"/>
           </a:xfrm>
           <a:prstGeom prst="line">
@@ -20717,7 +21104,7 @@
         </p:nvSpPr>
         <p:spPr>
           <a:xfrm>
-            <a:off x="5504460" y="8382779"/>
+            <a:off x="5556560" y="8896480"/>
             <a:ext cx="1270609" cy="307777"/>
           </a:xfrm>
           <a:prstGeom prst="rect">
@@ -20763,8 +21150,1339 @@
         </p:blipFill>
         <p:spPr>
           <a:xfrm>
-            <a:off x="18548674" y="4046116"/>
-            <a:ext cx="2773068" cy="2528855"/>
+            <a:off x="19340567" y="2812751"/>
+            <a:ext cx="2007740" cy="1830926"/>
+          </a:xfrm>
+          <a:prstGeom prst="rect">
+            <a:avLst/>
+          </a:prstGeom>
+        </p:spPr>
+      </p:pic>
+      <p:pic>
+        <p:nvPicPr>
+          <p:cNvPr id="14" name="Afbeelding 13">
+            <a:extLst>
+              <a:ext uri="{FF2B5EF4-FFF2-40B4-BE49-F238E27FC236}">
+                <a16:creationId xmlns:a16="http://schemas.microsoft.com/office/drawing/2014/main" id="{27F7104E-0234-4866-9139-547B6BFC13D5}"/>
+              </a:ext>
+            </a:extLst>
+          </p:cNvPr>
+          <p:cNvPicPr>
+            <a:picLocks noChangeAspect="1"/>
+          </p:cNvPicPr>
+          <p:nvPr/>
+        </p:nvPicPr>
+        <p:blipFill>
+          <a:blip r:embed="rId8">
+            <a:extLst>
+              <a:ext uri="{28A0092B-C50C-407E-A947-70E740481C1C}">
+                <a14:useLocalDpi xmlns:a14="http://schemas.microsoft.com/office/drawing/2010/main" val="0"/>
+              </a:ext>
+            </a:extLst>
+          </a:blip>
+          <a:stretch>
+            <a:fillRect/>
+          </a:stretch>
+        </p:blipFill>
+        <p:spPr>
+          <a:xfrm>
+            <a:off x="8312116" y="7799133"/>
+            <a:ext cx="1699226" cy="273604"/>
+          </a:xfrm>
+          <a:prstGeom prst="rect">
+            <a:avLst/>
+          </a:prstGeom>
+        </p:spPr>
+      </p:pic>
+      <p:pic>
+        <p:nvPicPr>
+          <p:cNvPr id="16" name="Afbeelding 15">
+            <a:extLst>
+              <a:ext uri="{FF2B5EF4-FFF2-40B4-BE49-F238E27FC236}">
+                <a16:creationId xmlns:a16="http://schemas.microsoft.com/office/drawing/2014/main" id="{18872992-3E5B-4509-B0F9-47B07D803D14}"/>
+              </a:ext>
+            </a:extLst>
+          </p:cNvPr>
+          <p:cNvPicPr>
+            <a:picLocks noChangeAspect="1"/>
+          </p:cNvPicPr>
+          <p:nvPr/>
+        </p:nvPicPr>
+        <p:blipFill>
+          <a:blip r:embed="rId9">
+            <a:extLst>
+              <a:ext uri="{28A0092B-C50C-407E-A947-70E740481C1C}">
+                <a14:useLocalDpi xmlns:a14="http://schemas.microsoft.com/office/drawing/2010/main" val="0"/>
+              </a:ext>
+            </a:extLst>
+          </a:blip>
+          <a:stretch>
+            <a:fillRect/>
+          </a:stretch>
+        </p:blipFill>
+        <p:spPr>
+          <a:xfrm>
+            <a:off x="9416454" y="9282551"/>
+            <a:ext cx="2430347" cy="458790"/>
+          </a:xfrm>
+          <a:prstGeom prst="rect">
+            <a:avLst/>
+          </a:prstGeom>
+        </p:spPr>
+      </p:pic>
+      <p:cxnSp>
+        <p:nvCxnSpPr>
+          <p:cNvPr id="19" name="Rechte verbindingslijn 18">
+            <a:extLst>
+              <a:ext uri="{FF2B5EF4-FFF2-40B4-BE49-F238E27FC236}">
+                <a16:creationId xmlns:a16="http://schemas.microsoft.com/office/drawing/2014/main" id="{69B8E32F-AE88-4369-BF49-5FEF8956BBCF}"/>
+              </a:ext>
+            </a:extLst>
+          </p:cNvPr>
+          <p:cNvCxnSpPr>
+            <a:stCxn id="305" idx="2"/>
+            <a:endCxn id="307" idx="0"/>
+          </p:cNvCxnSpPr>
+          <p:nvPr/>
+        </p:nvCxnSpPr>
+        <p:spPr>
+          <a:xfrm>
+            <a:off x="14630399" y="3226830"/>
+            <a:ext cx="1060" cy="7225904"/>
+          </a:xfrm>
+          <a:prstGeom prst="line">
+            <a:avLst/>
+          </a:prstGeom>
+        </p:spPr>
+        <p:style>
+          <a:lnRef idx="1">
+            <a:schemeClr val="dk1"/>
+          </a:lnRef>
+          <a:fillRef idx="0">
+            <a:schemeClr val="dk1"/>
+          </a:fillRef>
+          <a:effectRef idx="0">
+            <a:schemeClr val="dk1"/>
+          </a:effectRef>
+          <a:fontRef idx="minor">
+            <a:schemeClr val="tx1"/>
+          </a:fontRef>
+        </p:style>
+      </p:cxnSp>
+      <mc:AlternateContent xmlns:mc="http://schemas.openxmlformats.org/markup-compatibility/2006">
+        <mc:Choice xmlns:a14="http://schemas.microsoft.com/office/drawing/2010/main" Requires="a14">
+          <p:sp>
+            <p:nvSpPr>
+              <p:cNvPr id="20" name="Tekstvak 19">
+                <a:extLst>
+                  <a:ext uri="{FF2B5EF4-FFF2-40B4-BE49-F238E27FC236}">
+                    <a16:creationId xmlns:a16="http://schemas.microsoft.com/office/drawing/2014/main" id="{4E7DD80B-6251-4C72-BB3C-81D15766422B}"/>
+                  </a:ext>
+                </a:extLst>
+              </p:cNvPr>
+              <p:cNvSpPr txBox="1"/>
+              <p:nvPr/>
+            </p:nvSpPr>
+            <p:spPr>
+              <a:xfrm>
+                <a:off x="14631459" y="3316959"/>
+                <a:ext cx="6924493" cy="7186583"/>
+              </a:xfrm>
+              <a:prstGeom prst="rect">
+                <a:avLst/>
+              </a:prstGeom>
+              <a:noFill/>
+            </p:spPr>
+            <p:txBody>
+              <a:bodyPr wrap="square" rtlCol="0">
+                <a:spAutoFit/>
+              </a:bodyPr>
+              <a:lstStyle/>
+              <a:p>
+                <a:r>
+                  <a:rPr lang="en-GB" sz="2400" b="1" dirty="0">
+                    <a:solidFill>
+                      <a:schemeClr val="accent5">
+                        <a:lumMod val="50000"/>
+                      </a:schemeClr>
+                    </a:solidFill>
+                    <a:latin typeface="Times New Roman" panose="02020603050405020304" pitchFamily="18" charset="0"/>
+                    <a:cs typeface="Times New Roman" panose="02020603050405020304" pitchFamily="18" charset="0"/>
+                  </a:rPr>
+                  <a:t>User learning</a:t>
+                </a:r>
+              </a:p>
+              <a:p>
+                <a:pPr>
+                  <a:spcAft>
+                    <a:spcPts val="600"/>
+                  </a:spcAft>
+                </a:pPr>
+                <a:r>
+                  <a:rPr lang="en-GB" sz="2200" dirty="0">
+                    <a:solidFill>
+                      <a:schemeClr val="accent5">
+                        <a:lumMod val="50000"/>
+                      </a:schemeClr>
+                    </a:solidFill>
+                    <a:latin typeface="Times New Roman" panose="02020603050405020304" pitchFamily="18" charset="0"/>
+                    <a:cs typeface="Times New Roman" panose="02020603050405020304" pitchFamily="18" charset="0"/>
+                  </a:rPr>
+                  <a:t>Similarity depends on distance</a:t>
+                </a:r>
+              </a:p>
+              <a:p>
+                <a:r>
+                  <a:rPr lang="en-GB" sz="2200" dirty="0">
+                    <a:solidFill>
+                      <a:schemeClr val="accent5">
+                        <a:lumMod val="50000"/>
+                      </a:schemeClr>
+                    </a:solidFill>
+                    <a:latin typeface="Times New Roman" panose="02020603050405020304" pitchFamily="18" charset="0"/>
+                    <a:cs typeface="Times New Roman" panose="02020603050405020304" pitchFamily="18" charset="0"/>
+                  </a:rPr>
+                  <a:t>Informational </a:t>
+                </a:r>
+                <a:r>
+                  <a:rPr lang="en-GB" sz="2200" b="1" dirty="0" err="1">
+                    <a:solidFill>
+                      <a:schemeClr val="accent5">
+                        <a:lumMod val="50000"/>
+                      </a:schemeClr>
+                    </a:solidFill>
+                    <a:latin typeface="Times New Roman" panose="02020603050405020304" pitchFamily="18" charset="0"/>
+                    <a:cs typeface="Times New Roman" panose="02020603050405020304" pitchFamily="18" charset="0"/>
+                  </a:rPr>
+                  <a:t>spillover</a:t>
+                </a:r>
+                <a:r>
+                  <a:rPr lang="en-GB" sz="2200" dirty="0">
+                    <a:solidFill>
+                      <a:schemeClr val="accent5">
+                        <a:lumMod val="50000"/>
+                      </a:schemeClr>
+                    </a:solidFill>
+                    <a:latin typeface="Times New Roman" panose="02020603050405020304" pitchFamily="18" charset="0"/>
+                    <a:cs typeface="Times New Roman" panose="02020603050405020304" pitchFamily="18" charset="0"/>
+                  </a:rPr>
+                  <a:t>: value of an item</a:t>
+                </a:r>
+              </a:p>
+              <a:p>
+                <a:r>
+                  <a:rPr lang="en-GB" sz="2200" dirty="0">
+                    <a:solidFill>
+                      <a:schemeClr val="accent5">
+                        <a:lumMod val="50000"/>
+                      </a:schemeClr>
+                    </a:solidFill>
+                    <a:latin typeface="Times New Roman" panose="02020603050405020304" pitchFamily="18" charset="0"/>
+                    <a:cs typeface="Times New Roman" panose="02020603050405020304" pitchFamily="18" charset="0"/>
+                  </a:rPr>
+                  <a:t>reveals information about the items </a:t>
+                </a:r>
+              </a:p>
+              <a:p>
+                <a:r>
+                  <a:rPr lang="en-GB" sz="2200" dirty="0">
+                    <a:solidFill>
+                      <a:schemeClr val="accent5">
+                        <a:lumMod val="50000"/>
+                      </a:schemeClr>
+                    </a:solidFill>
+                    <a:latin typeface="Times New Roman" panose="02020603050405020304" pitchFamily="18" charset="0"/>
+                    <a:cs typeface="Times New Roman" panose="02020603050405020304" pitchFamily="18" charset="0"/>
+                  </a:rPr>
+                  <a:t>closest to it</a:t>
+                </a:r>
+              </a:p>
+              <a:p>
+                <a:endParaRPr lang="en-GB" sz="2200" dirty="0">
+                  <a:solidFill>
+                    <a:schemeClr val="accent5">
+                      <a:lumMod val="50000"/>
+                    </a:schemeClr>
+                  </a:solidFill>
+                  <a:latin typeface="Times New Roman" panose="02020603050405020304" pitchFamily="18" charset="0"/>
+                  <a:cs typeface="Times New Roman" panose="02020603050405020304" pitchFamily="18" charset="0"/>
+                </a:endParaRPr>
+              </a:p>
+              <a:p>
+                <a14:m>
+                  <m:oMath xmlns:m="http://schemas.openxmlformats.org/officeDocument/2006/math">
+                    <m:r>
+                      <a:rPr lang="nl-NL" sz="2200" i="1">
+                        <a:solidFill>
+                          <a:schemeClr val="accent5">
+                            <a:lumMod val="50000"/>
+                          </a:schemeClr>
+                        </a:solidFill>
+                        <a:latin typeface="Cambria Math" panose="02040503050406030204" pitchFamily="18" charset="0"/>
+                        <a:cs typeface="Times New Roman" panose="02020603050405020304" pitchFamily="18" charset="0"/>
+                      </a:rPr>
+                      <m:t>𝜌</m:t>
+                    </m:r>
+                    <m:r>
+                      <a:rPr lang="nl-NL" sz="2200" i="1">
+                        <a:solidFill>
+                          <a:schemeClr val="accent5">
+                            <a:lumMod val="50000"/>
+                          </a:schemeClr>
+                        </a:solidFill>
+                        <a:latin typeface="Cambria Math" panose="02040503050406030204" pitchFamily="18" charset="0"/>
+                        <a:cs typeface="Times New Roman" panose="02020603050405020304" pitchFamily="18" charset="0"/>
+                      </a:rPr>
+                      <m:t>∈</m:t>
+                    </m:r>
+                    <m:d>
+                      <m:dPr>
+                        <m:begChr m:val="["/>
+                        <m:endChr m:val="]"/>
+                        <m:ctrlPr>
+                          <a:rPr lang="nl-NL" sz="2200" i="1">
+                            <a:solidFill>
+                              <a:schemeClr val="accent5">
+                                <a:lumMod val="50000"/>
+                              </a:schemeClr>
+                            </a:solidFill>
+                            <a:latin typeface="Cambria Math" panose="02040503050406030204" pitchFamily="18" charset="0"/>
+                            <a:cs typeface="Times New Roman" panose="02020603050405020304" pitchFamily="18" charset="0"/>
+                          </a:rPr>
+                        </m:ctrlPr>
+                      </m:dPr>
+                      <m:e>
+                        <m:r>
+                          <a:rPr lang="nl-NL" sz="2200" i="1">
+                            <a:solidFill>
+                              <a:schemeClr val="accent5">
+                                <a:lumMod val="50000"/>
+                              </a:schemeClr>
+                            </a:solidFill>
+                            <a:latin typeface="Cambria Math" panose="02040503050406030204" pitchFamily="18" charset="0"/>
+                            <a:cs typeface="Times New Roman" panose="02020603050405020304" pitchFamily="18" charset="0"/>
+                          </a:rPr>
+                          <m:t>0,1</m:t>
+                        </m:r>
+                      </m:e>
+                    </m:d>
+                    <m:r>
+                      <a:rPr lang="nl-NL" sz="2200" b="0" i="1" smtClean="0">
+                        <a:solidFill>
+                          <a:schemeClr val="accent5">
+                            <a:lumMod val="50000"/>
+                          </a:schemeClr>
+                        </a:solidFill>
+                        <a:latin typeface="Cambria Math" panose="02040503050406030204" pitchFamily="18" charset="0"/>
+                        <a:cs typeface="Times New Roman" panose="02020603050405020304" pitchFamily="18" charset="0"/>
+                      </a:rPr>
+                      <m:t> </m:t>
+                    </m:r>
+                  </m:oMath>
+                </a14:m>
+                <a:r>
+                  <a:rPr lang="en-GB" sz="2200" dirty="0">
+                    <a:solidFill>
+                      <a:schemeClr val="accent5">
+                        <a:lumMod val="50000"/>
+                      </a:schemeClr>
+                    </a:solidFill>
+                    <a:latin typeface="Times New Roman" panose="02020603050405020304" pitchFamily="18" charset="0"/>
+                    <a:cs typeface="Times New Roman" panose="02020603050405020304" pitchFamily="18" charset="0"/>
+                  </a:rPr>
+                  <a:t>determines how informative the learned utility is for nearby items.</a:t>
+                </a:r>
+              </a:p>
+              <a:p>
+                <a:endParaRPr lang="en-GB" sz="2200" dirty="0">
+                  <a:solidFill>
+                    <a:schemeClr val="accent5">
+                      <a:lumMod val="50000"/>
+                    </a:schemeClr>
+                  </a:solidFill>
+                  <a:latin typeface="Times New Roman" panose="02020603050405020304" pitchFamily="18" charset="0"/>
+                  <a:cs typeface="Times New Roman" panose="02020603050405020304" pitchFamily="18" charset="0"/>
+                </a:endParaRPr>
+              </a:p>
+              <a:p>
+                <a:endParaRPr lang="en-GB" sz="2200" dirty="0">
+                  <a:solidFill>
+                    <a:schemeClr val="accent5">
+                      <a:lumMod val="50000"/>
+                    </a:schemeClr>
+                  </a:solidFill>
+                  <a:latin typeface="Times New Roman" panose="02020603050405020304" pitchFamily="18" charset="0"/>
+                  <a:cs typeface="Times New Roman" panose="02020603050405020304" pitchFamily="18" charset="0"/>
+                </a:endParaRPr>
+              </a:p>
+              <a:p>
+                <a:r>
+                  <a:rPr lang="en-GB" sz="2200" dirty="0">
+                    <a:solidFill>
+                      <a:schemeClr val="accent5">
+                        <a:lumMod val="50000"/>
+                      </a:schemeClr>
+                    </a:solidFill>
+                    <a:latin typeface="Times New Roman" panose="02020603050405020304" pitchFamily="18" charset="0"/>
+                    <a:cs typeface="Times New Roman" panose="02020603050405020304" pitchFamily="18" charset="0"/>
+                  </a:rPr>
+                  <a:t>	</a:t>
+                </a:r>
+                <a:r>
+                  <a:rPr lang="en-GB" sz="1600" dirty="0">
+                    <a:solidFill>
+                      <a:schemeClr val="accent5">
+                        <a:lumMod val="50000"/>
+                      </a:schemeClr>
+                    </a:solidFill>
+                    <a:latin typeface="Times New Roman" panose="02020603050405020304" pitchFamily="18" charset="0"/>
+                    <a:cs typeface="Times New Roman" panose="02020603050405020304" pitchFamily="18" charset="0"/>
+                  </a:rPr>
+                  <a:t>positive experience</a:t>
+                </a:r>
+              </a:p>
+              <a:p>
+                <a:r>
+                  <a:rPr lang="en-GB" sz="1600" dirty="0">
+                    <a:solidFill>
+                      <a:schemeClr val="accent5">
+                        <a:lumMod val="50000"/>
+                      </a:schemeClr>
+                    </a:solidFill>
+                    <a:latin typeface="Times New Roman" panose="02020603050405020304" pitchFamily="18" charset="0"/>
+                    <a:cs typeface="Times New Roman" panose="02020603050405020304" pitchFamily="18" charset="0"/>
+                  </a:rPr>
+                  <a:t>	            vs.</a:t>
+                </a:r>
+              </a:p>
+              <a:p>
+                <a:r>
+                  <a:rPr lang="en-GB" sz="1600" dirty="0">
+                    <a:solidFill>
+                      <a:schemeClr val="accent5">
+                        <a:lumMod val="50000"/>
+                      </a:schemeClr>
+                    </a:solidFill>
+                    <a:latin typeface="Times New Roman" panose="02020603050405020304" pitchFamily="18" charset="0"/>
+                    <a:cs typeface="Times New Roman" panose="02020603050405020304" pitchFamily="18" charset="0"/>
+                  </a:rPr>
+                  <a:t>	negative experience</a:t>
+                </a:r>
+                <a:endParaRPr lang="en-GB" sz="2200" dirty="0">
+                  <a:solidFill>
+                    <a:schemeClr val="accent5">
+                      <a:lumMod val="50000"/>
+                    </a:schemeClr>
+                  </a:solidFill>
+                  <a:latin typeface="Times New Roman" panose="02020603050405020304" pitchFamily="18" charset="0"/>
+                  <a:cs typeface="Times New Roman" panose="02020603050405020304" pitchFamily="18" charset="0"/>
+                </a:endParaRPr>
+              </a:p>
+              <a:p>
+                <a:endParaRPr lang="en-GB" sz="2200" dirty="0">
+                  <a:solidFill>
+                    <a:schemeClr val="accent5">
+                      <a:lumMod val="50000"/>
+                    </a:schemeClr>
+                  </a:solidFill>
+                  <a:latin typeface="Times New Roman" panose="02020603050405020304" pitchFamily="18" charset="0"/>
+                  <a:cs typeface="Times New Roman" panose="02020603050405020304" pitchFamily="18" charset="0"/>
+                </a:endParaRPr>
+              </a:p>
+              <a:p>
+                <a:endParaRPr lang="en-GB" sz="2400" b="1" dirty="0">
+                  <a:solidFill>
+                    <a:schemeClr val="accent5">
+                      <a:lumMod val="50000"/>
+                    </a:schemeClr>
+                  </a:solidFill>
+                  <a:latin typeface="Times New Roman" panose="02020603050405020304" pitchFamily="18" charset="0"/>
+                  <a:cs typeface="Times New Roman" panose="02020603050405020304" pitchFamily="18" charset="0"/>
+                </a:endParaRPr>
+              </a:p>
+              <a:p>
+                <a:r>
+                  <a:rPr lang="en-GB" sz="2400" b="1" dirty="0">
+                    <a:solidFill>
+                      <a:schemeClr val="accent5">
+                        <a:lumMod val="50000"/>
+                      </a:schemeClr>
+                    </a:solidFill>
+                    <a:latin typeface="Times New Roman" panose="02020603050405020304" pitchFamily="18" charset="0"/>
+                    <a:cs typeface="Times New Roman" panose="02020603050405020304" pitchFamily="18" charset="0"/>
+                  </a:rPr>
+                  <a:t>Recommendation cases</a:t>
+                </a:r>
+              </a:p>
+              <a:p>
+                <a:pPr marL="342900" indent="-342900">
+                  <a:buFont typeface="Arial" panose="020B0604020202020204" pitchFamily="34" charset="0"/>
+                  <a:buChar char="•"/>
+                </a:pPr>
+                <a:r>
+                  <a:rPr lang="en-GB" sz="1800" b="1" dirty="0">
+                    <a:solidFill>
+                      <a:schemeClr val="accent5">
+                        <a:lumMod val="50000"/>
+                      </a:schemeClr>
+                    </a:solidFill>
+                    <a:latin typeface="Times New Roman" panose="02020603050405020304" pitchFamily="18" charset="0"/>
+                    <a:cs typeface="Times New Roman" panose="02020603050405020304" pitchFamily="18" charset="0"/>
+                  </a:rPr>
+                  <a:t>No recommendation: </a:t>
+                </a:r>
+                <a:r>
+                  <a:rPr lang="en-GB" sz="1800" dirty="0">
+                    <a:solidFill>
+                      <a:schemeClr val="accent5">
+                        <a:lumMod val="50000"/>
+                      </a:schemeClr>
+                    </a:solidFill>
+                    <a:latin typeface="Times New Roman" panose="02020603050405020304" pitchFamily="18" charset="0"/>
+                    <a:cs typeface="Times New Roman" panose="02020603050405020304" pitchFamily="18" charset="0"/>
+                  </a:rPr>
+                  <a:t>user gets no information, choices based on beliefs</a:t>
+                </a:r>
+                <a:endParaRPr lang="en-GB" sz="1800" b="1" dirty="0">
+                  <a:solidFill>
+                    <a:schemeClr val="accent5">
+                      <a:lumMod val="50000"/>
+                    </a:schemeClr>
+                  </a:solidFill>
+                  <a:latin typeface="Times New Roman" panose="02020603050405020304" pitchFamily="18" charset="0"/>
+                  <a:cs typeface="Times New Roman" panose="02020603050405020304" pitchFamily="18" charset="0"/>
+                </a:endParaRPr>
+              </a:p>
+              <a:p>
+                <a:pPr marL="342900" indent="-342900">
+                  <a:buFont typeface="Arial" panose="020B0604020202020204" pitchFamily="34" charset="0"/>
+                  <a:buChar char="•"/>
+                </a:pPr>
+                <a:r>
+                  <a:rPr lang="en-GB" sz="1800" b="1" dirty="0">
+                    <a:solidFill>
+                      <a:schemeClr val="accent5">
+                        <a:lumMod val="50000"/>
+                      </a:schemeClr>
+                    </a:solidFill>
+                    <a:latin typeface="Times New Roman" panose="02020603050405020304" pitchFamily="18" charset="0"/>
+                    <a:cs typeface="Times New Roman" panose="02020603050405020304" pitchFamily="18" charset="0"/>
+                  </a:rPr>
+                  <a:t>Recommendation: </a:t>
+                </a:r>
+                <a:r>
+                  <a:rPr lang="en-GB" sz="1800" dirty="0">
+                    <a:solidFill>
+                      <a:schemeClr val="accent5">
+                        <a:lumMod val="50000"/>
+                      </a:schemeClr>
+                    </a:solidFill>
+                    <a:latin typeface="Times New Roman" panose="02020603050405020304" pitchFamily="18" charset="0"/>
+                    <a:cs typeface="Times New Roman" panose="02020603050405020304" pitchFamily="18" charset="0"/>
+                  </a:rPr>
+                  <a:t>recommender combines common-value and user beliefs</a:t>
+                </a:r>
+              </a:p>
+              <a:p>
+                <a:pPr marL="342900" indent="-342900">
+                  <a:buFont typeface="Arial" panose="020B0604020202020204" pitchFamily="34" charset="0"/>
+                  <a:buChar char="•"/>
+                </a:pPr>
+                <a:r>
+                  <a:rPr lang="en-GB" sz="1800" b="1" dirty="0">
+                    <a:solidFill>
+                      <a:schemeClr val="accent5">
+                        <a:lumMod val="50000"/>
+                      </a:schemeClr>
+                    </a:solidFill>
+                    <a:latin typeface="Times New Roman" panose="02020603050405020304" pitchFamily="18" charset="0"/>
+                    <a:cs typeface="Times New Roman" panose="02020603050405020304" pitchFamily="18" charset="0"/>
+                  </a:rPr>
+                  <a:t>Oracle recommendation: </a:t>
+                </a:r>
+                <a:r>
+                  <a:rPr lang="en-GB" sz="1800" dirty="0">
+                    <a:solidFill>
+                      <a:schemeClr val="accent5">
+                        <a:lumMod val="50000"/>
+                      </a:schemeClr>
+                    </a:solidFill>
+                    <a:latin typeface="Times New Roman" panose="02020603050405020304" pitchFamily="18" charset="0"/>
+                    <a:cs typeface="Times New Roman" panose="02020603050405020304" pitchFamily="18" charset="0"/>
+                  </a:rPr>
+                  <a:t>recommender knows true utilized value</a:t>
+                </a:r>
+                <a:endParaRPr lang="en-GB" sz="1800" b="1" dirty="0">
+                  <a:solidFill>
+                    <a:schemeClr val="accent5">
+                      <a:lumMod val="50000"/>
+                    </a:schemeClr>
+                  </a:solidFill>
+                  <a:latin typeface="Times New Roman" panose="02020603050405020304" pitchFamily="18" charset="0"/>
+                  <a:cs typeface="Times New Roman" panose="02020603050405020304" pitchFamily="18" charset="0"/>
+                </a:endParaRPr>
+              </a:p>
+              <a:p>
+                <a:endParaRPr lang="en-GB" sz="2000" b="1" dirty="0">
+                  <a:solidFill>
+                    <a:schemeClr val="accent5">
+                      <a:lumMod val="50000"/>
+                    </a:schemeClr>
+                  </a:solidFill>
+                  <a:latin typeface="Times New Roman" panose="02020603050405020304" pitchFamily="18" charset="0"/>
+                  <a:cs typeface="Times New Roman" panose="02020603050405020304" pitchFamily="18" charset="0"/>
+                </a:endParaRPr>
+              </a:p>
+            </p:txBody>
+          </p:sp>
+        </mc:Choice>
+        <mc:Fallback>
+          <p:sp>
+            <p:nvSpPr>
+              <p:cNvPr id="20" name="Tekstvak 19">
+                <a:extLst>
+                  <a:ext uri="{FF2B5EF4-FFF2-40B4-BE49-F238E27FC236}">
+                    <a16:creationId xmlns:a16="http://schemas.microsoft.com/office/drawing/2014/main" id="{4E7DD80B-6251-4C72-BB3C-81D15766422B}"/>
+                  </a:ext>
+                </a:extLst>
+              </p:cNvPr>
+              <p:cNvSpPr txBox="1">
+                <a:spLocks noRot="1" noChangeAspect="1" noMove="1" noResize="1" noEditPoints="1" noAdjustHandles="1" noChangeArrowheads="1" noChangeShapeType="1" noTextEdit="1"/>
+              </p:cNvSpPr>
+              <p:nvPr/>
+            </p:nvSpPr>
+            <p:spPr>
+              <a:xfrm>
+                <a:off x="14631459" y="3316959"/>
+                <a:ext cx="6924493" cy="7186583"/>
+              </a:xfrm>
+              <a:prstGeom prst="rect">
+                <a:avLst/>
+              </a:prstGeom>
+              <a:blipFill>
+                <a:blip r:embed="rId10"/>
+                <a:stretch>
+                  <a:fillRect l="-1320" t="-679" r="-88"/>
+                </a:stretch>
+              </a:blipFill>
+            </p:spPr>
+            <p:txBody>
+              <a:bodyPr/>
+              <a:lstStyle/>
+              <a:p>
+                <a:r>
+                  <a:rPr lang="en-GB">
+                    <a:noFill/>
+                  </a:rPr>
+                  <a:t> </a:t>
+                </a:r>
+              </a:p>
+            </p:txBody>
+          </p:sp>
+        </mc:Fallback>
+      </mc:AlternateContent>
+      <p:pic>
+        <p:nvPicPr>
+          <p:cNvPr id="24" name="Afbeelding 23">
+            <a:extLst>
+              <a:ext uri="{FF2B5EF4-FFF2-40B4-BE49-F238E27FC236}">
+                <a16:creationId xmlns:a16="http://schemas.microsoft.com/office/drawing/2014/main" id="{2E92F61D-8201-4833-BA02-86609A00085D}"/>
+              </a:ext>
+            </a:extLst>
+          </p:cNvPr>
+          <p:cNvPicPr>
+            <a:picLocks noChangeAspect="1"/>
+          </p:cNvPicPr>
+          <p:nvPr/>
+        </p:nvPicPr>
+        <p:blipFill>
+          <a:blip r:embed="rId11" cstate="print">
+            <a:extLst>
+              <a:ext uri="{28A0092B-C50C-407E-A947-70E740481C1C}">
+                <a14:useLocalDpi xmlns:a14="http://schemas.microsoft.com/office/drawing/2010/main" val="0"/>
+              </a:ext>
+            </a:extLst>
+          </a:blip>
+          <a:stretch>
+            <a:fillRect/>
+          </a:stretch>
+        </p:blipFill>
+        <p:spPr>
+          <a:xfrm>
+            <a:off x="13681752" y="7992755"/>
+            <a:ext cx="623161" cy="623161"/>
+          </a:xfrm>
+          <a:prstGeom prst="rect">
+            <a:avLst/>
+          </a:prstGeom>
+        </p:spPr>
+      </p:pic>
+      <p:pic>
+        <p:nvPicPr>
+          <p:cNvPr id="83" name="Graphic 82">
+            <a:extLst>
+              <a:ext uri="{FF2B5EF4-FFF2-40B4-BE49-F238E27FC236}">
+                <a16:creationId xmlns:a16="http://schemas.microsoft.com/office/drawing/2014/main" id="{83B18665-4EDD-46A3-8385-3FCE0261060C}"/>
+              </a:ext>
+            </a:extLst>
+          </p:cNvPr>
+          <p:cNvPicPr>
+            <a:picLocks noChangeAspect="1"/>
+          </p:cNvPicPr>
+          <p:nvPr/>
+        </p:nvPicPr>
+        <p:blipFill>
+          <a:blip r:embed="rId4">
+            <a:extLst>
+              <a:ext uri="{28A0092B-C50C-407E-A947-70E740481C1C}">
+                <a14:useLocalDpi xmlns:a14="http://schemas.microsoft.com/office/drawing/2010/main" val="0"/>
+              </a:ext>
+              <a:ext uri="{96DAC541-7B7A-43D3-8B79-37D633B846F1}">
+                <asvg:svgBlip xmlns:asvg="http://schemas.microsoft.com/office/drawing/2016/SVG/main" r:embed="rId5"/>
+              </a:ext>
+            </a:extLst>
+          </a:blip>
+          <a:stretch>
+            <a:fillRect/>
+          </a:stretch>
+        </p:blipFill>
+        <p:spPr>
+          <a:xfrm>
+            <a:off x="8300263" y="8170261"/>
+            <a:ext cx="327030" cy="327030"/>
+          </a:xfrm>
+          <a:prstGeom prst="rect">
+            <a:avLst/>
+          </a:prstGeom>
+        </p:spPr>
+      </p:pic>
+      <p:pic>
+        <p:nvPicPr>
+          <p:cNvPr id="26" name="Afbeelding 25" descr="Afbeelding met tekst&#10;&#10;Automatisch gegenereerde beschrijving">
+            <a:extLst>
+              <a:ext uri="{FF2B5EF4-FFF2-40B4-BE49-F238E27FC236}">
+                <a16:creationId xmlns:a16="http://schemas.microsoft.com/office/drawing/2014/main" id="{27F53BA2-9962-4957-B709-18078FBF4C1D}"/>
+              </a:ext>
+            </a:extLst>
+          </p:cNvPr>
+          <p:cNvPicPr>
+            <a:picLocks noChangeAspect="1"/>
+          </p:cNvPicPr>
+          <p:nvPr/>
+        </p:nvPicPr>
+        <p:blipFill>
+          <a:blip r:embed="rId12" cstate="print">
+            <a:extLst>
+              <a:ext uri="{28A0092B-C50C-407E-A947-70E740481C1C}">
+                <a14:useLocalDpi xmlns:a14="http://schemas.microsoft.com/office/drawing/2010/main" val="0"/>
+              </a:ext>
+            </a:extLst>
+          </a:blip>
+          <a:stretch>
+            <a:fillRect/>
+          </a:stretch>
+        </p:blipFill>
+        <p:spPr>
+          <a:xfrm>
+            <a:off x="12657834" y="4155515"/>
+            <a:ext cx="1755138" cy="1031321"/>
+          </a:xfrm>
+          <a:prstGeom prst="rect">
+            <a:avLst/>
+          </a:prstGeom>
+        </p:spPr>
+      </p:pic>
+      <p:pic>
+        <p:nvPicPr>
+          <p:cNvPr id="28" name="Afbeelding 27">
+            <a:extLst>
+              <a:ext uri="{FF2B5EF4-FFF2-40B4-BE49-F238E27FC236}">
+                <a16:creationId xmlns:a16="http://schemas.microsoft.com/office/drawing/2014/main" id="{884641A8-AAE6-4161-95AE-4CDFC7F155C7}"/>
+              </a:ext>
+            </a:extLst>
+          </p:cNvPr>
+          <p:cNvPicPr>
+            <a:picLocks noChangeAspect="1"/>
+          </p:cNvPicPr>
+          <p:nvPr/>
+        </p:nvPicPr>
+        <p:blipFill>
+          <a:blip r:embed="rId13">
+            <a:extLst>
+              <a:ext uri="{28A0092B-C50C-407E-A947-70E740481C1C}">
+                <a14:useLocalDpi xmlns:a14="http://schemas.microsoft.com/office/drawing/2010/main" val="0"/>
+              </a:ext>
+            </a:extLst>
+          </a:blip>
+          <a:stretch>
+            <a:fillRect/>
+          </a:stretch>
+        </p:blipFill>
+        <p:spPr>
+          <a:xfrm>
+            <a:off x="19112298" y="6163700"/>
+            <a:ext cx="2029108" cy="1829055"/>
+          </a:xfrm>
+          <a:prstGeom prst="rect">
+            <a:avLst/>
+          </a:prstGeom>
+        </p:spPr>
+      </p:pic>
+      <p:pic>
+        <p:nvPicPr>
+          <p:cNvPr id="45" name="Afbeelding 44">
+            <a:extLst>
+              <a:ext uri="{FF2B5EF4-FFF2-40B4-BE49-F238E27FC236}">
+                <a16:creationId xmlns:a16="http://schemas.microsoft.com/office/drawing/2014/main" id="{ED86AEE1-19AE-448E-B367-8E78A3E7C848}"/>
+              </a:ext>
+            </a:extLst>
+          </p:cNvPr>
+          <p:cNvPicPr>
+            <a:picLocks noChangeAspect="1"/>
+          </p:cNvPicPr>
+          <p:nvPr/>
+        </p:nvPicPr>
+        <p:blipFill>
+          <a:blip r:embed="rId14">
+            <a:extLst>
+              <a:ext uri="{28A0092B-C50C-407E-A947-70E740481C1C}">
+                <a14:useLocalDpi xmlns:a14="http://schemas.microsoft.com/office/drawing/2010/main" val="0"/>
+              </a:ext>
+            </a:extLst>
+          </a:blip>
+          <a:stretch>
+            <a:fillRect/>
+          </a:stretch>
+        </p:blipFill>
+        <p:spPr>
+          <a:xfrm>
+            <a:off x="14838122" y="6194394"/>
+            <a:ext cx="2029108" cy="1829055"/>
+          </a:xfrm>
+          <a:prstGeom prst="rect">
+            <a:avLst/>
+          </a:prstGeom>
+        </p:spPr>
+      </p:pic>
+      <p:pic>
+        <p:nvPicPr>
+          <p:cNvPr id="289" name="Afbeelding 288">
+            <a:extLst>
+              <a:ext uri="{FF2B5EF4-FFF2-40B4-BE49-F238E27FC236}">
+                <a16:creationId xmlns:a16="http://schemas.microsoft.com/office/drawing/2014/main" id="{421E5CCB-58C6-4324-9272-B0F30359EBBD}"/>
+              </a:ext>
+            </a:extLst>
+          </p:cNvPr>
+          <p:cNvPicPr>
+            <a:picLocks noChangeAspect="1"/>
+          </p:cNvPicPr>
+          <p:nvPr/>
+        </p:nvPicPr>
+        <p:blipFill>
+          <a:blip r:embed="rId15" cstate="print">
+            <a:extLst>
+              <a:ext uri="{28A0092B-C50C-407E-A947-70E740481C1C}">
+                <a14:useLocalDpi xmlns:a14="http://schemas.microsoft.com/office/drawing/2010/main" val="0"/>
+              </a:ext>
+            </a:extLst>
+          </a:blip>
+          <a:stretch>
+            <a:fillRect/>
+          </a:stretch>
+        </p:blipFill>
+        <p:spPr>
+          <a:xfrm>
+            <a:off x="7730239" y="13696114"/>
+            <a:ext cx="2990171" cy="2670347"/>
+          </a:xfrm>
+          <a:prstGeom prst="rect">
+            <a:avLst/>
+          </a:prstGeom>
+        </p:spPr>
+      </p:pic>
+      <p:pic>
+        <p:nvPicPr>
+          <p:cNvPr id="293" name="Afbeelding 292">
+            <a:extLst>
+              <a:ext uri="{FF2B5EF4-FFF2-40B4-BE49-F238E27FC236}">
+                <a16:creationId xmlns:a16="http://schemas.microsoft.com/office/drawing/2014/main" id="{667A6C1D-DD63-484A-BC17-CCD2315D5AC5}"/>
+              </a:ext>
+            </a:extLst>
+          </p:cNvPr>
+          <p:cNvPicPr>
+            <a:picLocks noChangeAspect="1"/>
+          </p:cNvPicPr>
+          <p:nvPr/>
+        </p:nvPicPr>
+        <p:blipFill rotWithShape="1">
+          <a:blip r:embed="rId16">
+            <a:extLst>
+              <a:ext uri="{28A0092B-C50C-407E-A947-70E740481C1C}">
+                <a14:useLocalDpi xmlns:a14="http://schemas.microsoft.com/office/drawing/2010/main" val="0"/>
+              </a:ext>
+            </a:extLst>
+          </a:blip>
+          <a:srcRect r="64990"/>
+          <a:stretch/>
+        </p:blipFill>
+        <p:spPr>
+          <a:xfrm>
+            <a:off x="17571720" y="10999886"/>
+            <a:ext cx="3776587" cy="4913784"/>
+          </a:xfrm>
+          <a:prstGeom prst="rect">
+            <a:avLst/>
+          </a:prstGeom>
+        </p:spPr>
+      </p:pic>
+      <p:sp>
+        <p:nvSpPr>
+          <p:cNvPr id="294" name="Tekstvak 293">
+            <a:extLst>
+              <a:ext uri="{FF2B5EF4-FFF2-40B4-BE49-F238E27FC236}">
+                <a16:creationId xmlns:a16="http://schemas.microsoft.com/office/drawing/2014/main" id="{714C9133-5334-4B00-8093-A371BB04FF25}"/>
+              </a:ext>
+            </a:extLst>
+          </p:cNvPr>
+          <p:cNvSpPr txBox="1"/>
+          <p:nvPr/>
+        </p:nvSpPr>
+        <p:spPr>
+          <a:xfrm>
+            <a:off x="10957560" y="13814628"/>
+            <a:ext cx="6424325" cy="2277547"/>
+          </a:xfrm>
+          <a:prstGeom prst="rect">
+            <a:avLst/>
+          </a:prstGeom>
+          <a:noFill/>
+        </p:spPr>
+        <p:txBody>
+          <a:bodyPr wrap="square" rtlCol="0">
+            <a:spAutoFit/>
+          </a:bodyPr>
+          <a:lstStyle/>
+          <a:p>
+            <a:pPr>
+              <a:spcAft>
+                <a:spcPts val="1200"/>
+              </a:spcAft>
+            </a:pPr>
+            <a:r>
+              <a:rPr lang="en-GB" sz="2200" dirty="0">
+                <a:solidFill>
+                  <a:schemeClr val="accent5">
+                    <a:lumMod val="50000"/>
+                  </a:schemeClr>
+                </a:solidFill>
+                <a:latin typeface="Times New Roman" panose="02020603050405020304" pitchFamily="18" charset="0"/>
+                <a:cs typeface="Times New Roman" panose="02020603050405020304" pitchFamily="18" charset="0"/>
+              </a:rPr>
+              <a:t>No recommendation: users o</a:t>
+            </a:r>
+            <a:r>
+              <a:rPr lang="en-GB" sz="2200" b="1" dirty="0">
+                <a:solidFill>
+                  <a:schemeClr val="accent5">
+                    <a:lumMod val="50000"/>
+                  </a:schemeClr>
+                </a:solidFill>
+                <a:latin typeface="Times New Roman" panose="02020603050405020304" pitchFamily="18" charset="0"/>
+                <a:cs typeface="Times New Roman" panose="02020603050405020304" pitchFamily="18" charset="0"/>
+              </a:rPr>
+              <a:t>ver-exploit</a:t>
+            </a:r>
+            <a:r>
+              <a:rPr lang="en-GB" sz="2200" dirty="0">
+                <a:solidFill>
+                  <a:schemeClr val="accent5">
+                    <a:lumMod val="50000"/>
+                  </a:schemeClr>
+                </a:solidFill>
+                <a:latin typeface="Times New Roman" panose="02020603050405020304" pitchFamily="18" charset="0"/>
+                <a:cs typeface="Times New Roman" panose="02020603050405020304" pitchFamily="18" charset="0"/>
+              </a:rPr>
+              <a:t> </a:t>
+            </a:r>
+            <a:r>
+              <a:rPr lang="en-GB" sz="2200" dirty="0" err="1">
+                <a:solidFill>
+                  <a:schemeClr val="accent5">
+                    <a:lumMod val="50000"/>
+                  </a:schemeClr>
+                </a:solidFill>
+                <a:latin typeface="Times New Roman" panose="02020603050405020304" pitchFamily="18" charset="0"/>
+                <a:cs typeface="Times New Roman" panose="02020603050405020304" pitchFamily="18" charset="0"/>
+              </a:rPr>
+              <a:t>spillovers</a:t>
+            </a:r>
+            <a:endParaRPr lang="en-GB" sz="2200" dirty="0">
+              <a:solidFill>
+                <a:schemeClr val="accent5">
+                  <a:lumMod val="50000"/>
+                </a:schemeClr>
+              </a:solidFill>
+              <a:latin typeface="Times New Roman" panose="02020603050405020304" pitchFamily="18" charset="0"/>
+              <a:cs typeface="Times New Roman" panose="02020603050405020304" pitchFamily="18" charset="0"/>
+            </a:endParaRPr>
+          </a:p>
+          <a:p>
+            <a:r>
+              <a:rPr lang="en-GB" sz="2200" dirty="0">
+                <a:solidFill>
+                  <a:schemeClr val="accent5">
+                    <a:lumMod val="50000"/>
+                  </a:schemeClr>
+                </a:solidFill>
+                <a:latin typeface="Times New Roman" panose="02020603050405020304" pitchFamily="18" charset="0"/>
+                <a:cs typeface="Times New Roman" panose="02020603050405020304" pitchFamily="18" charset="0"/>
+              </a:rPr>
+              <a:t>Recommendation decreases degree of local consumption, but not as much as oracle case</a:t>
+            </a:r>
+          </a:p>
+          <a:p>
+            <a:endParaRPr lang="en-GB" sz="2200" dirty="0">
+              <a:solidFill>
+                <a:schemeClr val="accent5">
+                  <a:lumMod val="50000"/>
+                </a:schemeClr>
+              </a:solidFill>
+              <a:latin typeface="Times New Roman" panose="02020603050405020304" pitchFamily="18" charset="0"/>
+              <a:cs typeface="Times New Roman" panose="02020603050405020304" pitchFamily="18" charset="0"/>
+            </a:endParaRPr>
+          </a:p>
+          <a:p>
+            <a:r>
+              <a:rPr lang="en-GB" sz="2200" b="1" dirty="0">
+                <a:solidFill>
+                  <a:schemeClr val="accent5">
+                    <a:lumMod val="50000"/>
+                  </a:schemeClr>
+                </a:solidFill>
+                <a:latin typeface="Times New Roman" panose="02020603050405020304" pitchFamily="18" charset="0"/>
+                <a:cs typeface="Times New Roman" panose="02020603050405020304" pitchFamily="18" charset="0"/>
+              </a:rPr>
+              <a:t>Informational </a:t>
+            </a:r>
+            <a:r>
+              <a:rPr lang="en-GB" sz="2200" b="1" dirty="0" err="1">
+                <a:solidFill>
+                  <a:schemeClr val="accent5">
+                    <a:lumMod val="50000"/>
+                  </a:schemeClr>
+                </a:solidFill>
+                <a:latin typeface="Times New Roman" panose="02020603050405020304" pitchFamily="18" charset="0"/>
+                <a:cs typeface="Times New Roman" panose="02020603050405020304" pitchFamily="18" charset="0"/>
+              </a:rPr>
+              <a:t>spillovers</a:t>
+            </a:r>
+            <a:r>
+              <a:rPr lang="en-GB" sz="2200" b="1" dirty="0">
+                <a:solidFill>
+                  <a:schemeClr val="accent5">
+                    <a:lumMod val="50000"/>
+                  </a:schemeClr>
+                </a:solidFill>
+                <a:latin typeface="Times New Roman" panose="02020603050405020304" pitchFamily="18" charset="0"/>
+                <a:cs typeface="Times New Roman" panose="02020603050405020304" pitchFamily="18" charset="0"/>
+              </a:rPr>
+              <a:t> + risk-aversion can lead users into filter bubble</a:t>
+            </a:r>
+          </a:p>
+        </p:txBody>
+      </p:sp>
+      <p:sp>
+        <p:nvSpPr>
+          <p:cNvPr id="295" name="Tekstvak 294">
+            <a:extLst>
+              <a:ext uri="{FF2B5EF4-FFF2-40B4-BE49-F238E27FC236}">
+                <a16:creationId xmlns:a16="http://schemas.microsoft.com/office/drawing/2014/main" id="{B905B021-2D20-453F-AC72-9F55F729D3D3}"/>
+              </a:ext>
+            </a:extLst>
+          </p:cNvPr>
+          <p:cNvSpPr txBox="1"/>
+          <p:nvPr/>
+        </p:nvSpPr>
+        <p:spPr>
+          <a:xfrm>
+            <a:off x="17787949" y="15789586"/>
+            <a:ext cx="3353457" cy="523220"/>
+          </a:xfrm>
+          <a:prstGeom prst="rect">
+            <a:avLst/>
+          </a:prstGeom>
+          <a:noFill/>
+        </p:spPr>
+        <p:txBody>
+          <a:bodyPr wrap="square" rtlCol="0">
+            <a:spAutoFit/>
+          </a:bodyPr>
+          <a:lstStyle/>
+          <a:p>
+            <a:r>
+              <a:rPr lang="en-GB" sz="1400" dirty="0">
+                <a:solidFill>
+                  <a:schemeClr val="accent5">
+                    <a:lumMod val="50000"/>
+                  </a:schemeClr>
+                </a:solidFill>
+                <a:latin typeface="Times New Roman" panose="02020603050405020304" pitchFamily="18" charset="0"/>
+                <a:cs typeface="Times New Roman" panose="02020603050405020304" pitchFamily="18" charset="0"/>
+              </a:rPr>
+              <a:t>Above: influence of </a:t>
+            </a:r>
+            <a:r>
+              <a:rPr lang="en-GB" sz="1400" dirty="0" err="1">
+                <a:solidFill>
+                  <a:schemeClr val="accent5">
+                    <a:lumMod val="50000"/>
+                  </a:schemeClr>
+                </a:solidFill>
+                <a:latin typeface="Times New Roman" panose="02020603050405020304" pitchFamily="18" charset="0"/>
+                <a:cs typeface="Times New Roman" panose="02020603050405020304" pitchFamily="18" charset="0"/>
+              </a:rPr>
+              <a:t>spillover</a:t>
+            </a:r>
+            <a:r>
+              <a:rPr lang="en-GB" sz="1400" dirty="0">
+                <a:solidFill>
+                  <a:schemeClr val="accent5">
+                    <a:lumMod val="50000"/>
+                  </a:schemeClr>
+                </a:solidFill>
+                <a:latin typeface="Times New Roman" panose="02020603050405020304" pitchFamily="18" charset="0"/>
+                <a:cs typeface="Times New Roman" panose="02020603050405020304" pitchFamily="18" charset="0"/>
+              </a:rPr>
+              <a:t> parameter</a:t>
+            </a:r>
+          </a:p>
+          <a:p>
+            <a:r>
+              <a:rPr lang="en-GB" sz="1400" dirty="0">
+                <a:solidFill>
+                  <a:schemeClr val="accent5">
+                    <a:lumMod val="50000"/>
+                  </a:schemeClr>
+                </a:solidFill>
+                <a:latin typeface="Times New Roman" panose="02020603050405020304" pitchFamily="18" charset="0"/>
+                <a:cs typeface="Times New Roman" panose="02020603050405020304" pitchFamily="18" charset="0"/>
+              </a:rPr>
+              <a:t>Below: influence of risk-aversion parameter</a:t>
+            </a:r>
+          </a:p>
+        </p:txBody>
+      </p:sp>
+      <p:pic>
+        <p:nvPicPr>
+          <p:cNvPr id="297" name="Afbeelding 296">
+            <a:extLst>
+              <a:ext uri="{FF2B5EF4-FFF2-40B4-BE49-F238E27FC236}">
+                <a16:creationId xmlns:a16="http://schemas.microsoft.com/office/drawing/2014/main" id="{3F3AD8B5-0319-45A5-82A7-077BD994C472}"/>
+              </a:ext>
+            </a:extLst>
+          </p:cNvPr>
+          <p:cNvPicPr>
+            <a:picLocks noChangeAspect="1"/>
+          </p:cNvPicPr>
+          <p:nvPr/>
+        </p:nvPicPr>
+        <p:blipFill>
+          <a:blip r:embed="rId17">
+            <a:extLst>
+              <a:ext uri="{28A0092B-C50C-407E-A947-70E740481C1C}">
+                <a14:useLocalDpi xmlns:a14="http://schemas.microsoft.com/office/drawing/2010/main" val="0"/>
+              </a:ext>
+            </a:extLst>
+          </a:blip>
+          <a:stretch>
+            <a:fillRect/>
+          </a:stretch>
+        </p:blipFill>
+        <p:spPr>
+          <a:xfrm>
+            <a:off x="21973955" y="4389508"/>
+            <a:ext cx="6637595" cy="2484335"/>
+          </a:xfrm>
+          <a:prstGeom prst="rect">
+            <a:avLst/>
+          </a:prstGeom>
+        </p:spPr>
+      </p:pic>
+      <p:sp>
+        <p:nvSpPr>
+          <p:cNvPr id="314" name="Tekstvak 313">
+            <a:extLst>
+              <a:ext uri="{FF2B5EF4-FFF2-40B4-BE49-F238E27FC236}">
+                <a16:creationId xmlns:a16="http://schemas.microsoft.com/office/drawing/2014/main" id="{4DEBC93D-2ABB-4825-96A4-DE487C80707B}"/>
+              </a:ext>
+            </a:extLst>
+          </p:cNvPr>
+          <p:cNvSpPr txBox="1"/>
+          <p:nvPr/>
+        </p:nvSpPr>
+        <p:spPr>
+          <a:xfrm>
+            <a:off x="22082760" y="7078227"/>
+            <a:ext cx="6362065" cy="1477328"/>
+          </a:xfrm>
+          <a:prstGeom prst="rect">
+            <a:avLst/>
+          </a:prstGeom>
+          <a:noFill/>
+        </p:spPr>
+        <p:txBody>
+          <a:bodyPr wrap="square" rtlCol="0">
+            <a:spAutoFit/>
+          </a:bodyPr>
+          <a:lstStyle/>
+          <a:p>
+            <a:r>
+              <a:rPr lang="en-GB" sz="2400" dirty="0">
+                <a:solidFill>
+                  <a:schemeClr val="accent5">
+                    <a:lumMod val="50000"/>
+                  </a:schemeClr>
+                </a:solidFill>
+                <a:latin typeface="Times New Roman" panose="02020603050405020304" pitchFamily="18" charset="0"/>
+                <a:cs typeface="Times New Roman" panose="02020603050405020304" pitchFamily="18" charset="0"/>
+              </a:rPr>
+              <a:t>Homogenization effect strongest when:</a:t>
+            </a:r>
+          </a:p>
+          <a:p>
+            <a:pPr marL="342900" indent="-342900">
+              <a:buFont typeface="Arial" panose="020B0604020202020204" pitchFamily="34" charset="0"/>
+              <a:buChar char="•"/>
+            </a:pPr>
+            <a:r>
+              <a:rPr lang="en-GB" sz="2200" b="1" dirty="0">
+                <a:solidFill>
+                  <a:schemeClr val="accent5">
+                    <a:lumMod val="50000"/>
+                  </a:schemeClr>
+                </a:solidFill>
+                <a:latin typeface="Times New Roman" panose="02020603050405020304" pitchFamily="18" charset="0"/>
+                <a:cs typeface="Times New Roman" panose="02020603050405020304" pitchFamily="18" charset="0"/>
+              </a:rPr>
+              <a:t>Recommendation</a:t>
+            </a:r>
+            <a:r>
+              <a:rPr lang="en-GB" sz="2200" dirty="0">
+                <a:solidFill>
+                  <a:schemeClr val="accent5">
+                    <a:lumMod val="50000"/>
+                  </a:schemeClr>
+                </a:solidFill>
+                <a:latin typeface="Times New Roman" panose="02020603050405020304" pitchFamily="18" charset="0"/>
+                <a:cs typeface="Times New Roman" panose="02020603050405020304" pitchFamily="18" charset="0"/>
+              </a:rPr>
+              <a:t> case</a:t>
+            </a:r>
+          </a:p>
+          <a:p>
+            <a:pPr marL="342900" indent="-342900">
+              <a:buFont typeface="Arial" panose="020B0604020202020204" pitchFamily="34" charset="0"/>
+              <a:buChar char="•"/>
+            </a:pPr>
+            <a:r>
+              <a:rPr lang="en-GB" sz="2200" dirty="0">
+                <a:solidFill>
+                  <a:schemeClr val="accent5">
+                    <a:lumMod val="50000"/>
+                  </a:schemeClr>
+                </a:solidFill>
+                <a:latin typeface="Times New Roman" panose="02020603050405020304" pitchFamily="18" charset="0"/>
+                <a:cs typeface="Times New Roman" panose="02020603050405020304" pitchFamily="18" charset="0"/>
+              </a:rPr>
+              <a:t>The </a:t>
+            </a:r>
+            <a:r>
+              <a:rPr lang="en-GB" sz="2200" b="1" dirty="0">
+                <a:solidFill>
+                  <a:schemeClr val="accent5">
+                    <a:lumMod val="50000"/>
+                  </a:schemeClr>
+                </a:solidFill>
+                <a:latin typeface="Times New Roman" panose="02020603050405020304" pitchFamily="18" charset="0"/>
+                <a:cs typeface="Times New Roman" panose="02020603050405020304" pitchFamily="18" charset="0"/>
+              </a:rPr>
+              <a:t>common-value weight</a:t>
+            </a:r>
+            <a:r>
+              <a:rPr lang="en-GB" sz="2200" dirty="0">
+                <a:solidFill>
+                  <a:schemeClr val="accent5">
+                    <a:lumMod val="50000"/>
+                  </a:schemeClr>
+                </a:solidFill>
+                <a:latin typeface="Times New Roman" panose="02020603050405020304" pitchFamily="18" charset="0"/>
+                <a:cs typeface="Times New Roman" panose="02020603050405020304" pitchFamily="18" charset="0"/>
+              </a:rPr>
+              <a:t> increases</a:t>
+            </a:r>
+          </a:p>
+          <a:p>
+            <a:pPr marL="342900" indent="-342900">
+              <a:buFont typeface="Arial" panose="020B0604020202020204" pitchFamily="34" charset="0"/>
+              <a:buChar char="•"/>
+            </a:pPr>
+            <a:r>
+              <a:rPr lang="en-GB" sz="2200" b="1" dirty="0" err="1">
+                <a:solidFill>
+                  <a:schemeClr val="accent5">
+                    <a:lumMod val="50000"/>
+                  </a:schemeClr>
+                </a:solidFill>
+                <a:latin typeface="Times New Roman" panose="02020603050405020304" pitchFamily="18" charset="0"/>
+                <a:cs typeface="Times New Roman" panose="02020603050405020304" pitchFamily="18" charset="0"/>
+              </a:rPr>
+              <a:t>Spillover</a:t>
+            </a:r>
+            <a:r>
+              <a:rPr lang="en-GB" sz="2200" dirty="0">
+                <a:solidFill>
+                  <a:schemeClr val="accent5">
+                    <a:lumMod val="50000"/>
+                  </a:schemeClr>
+                </a:solidFill>
+                <a:latin typeface="Times New Roman" panose="02020603050405020304" pitchFamily="18" charset="0"/>
+                <a:cs typeface="Times New Roman" panose="02020603050405020304" pitchFamily="18" charset="0"/>
+              </a:rPr>
+              <a:t> decreases</a:t>
+            </a:r>
+          </a:p>
+        </p:txBody>
+      </p:sp>
+      <p:pic>
+        <p:nvPicPr>
+          <p:cNvPr id="316" name="Afbeelding 315">
+            <a:extLst>
+              <a:ext uri="{FF2B5EF4-FFF2-40B4-BE49-F238E27FC236}">
+                <a16:creationId xmlns:a16="http://schemas.microsoft.com/office/drawing/2014/main" id="{D170DFDD-8849-4286-8CE9-098CF8DEF06D}"/>
+              </a:ext>
+            </a:extLst>
+          </p:cNvPr>
+          <p:cNvPicPr>
+            <a:picLocks noChangeAspect="1"/>
+          </p:cNvPicPr>
+          <p:nvPr/>
+        </p:nvPicPr>
+        <p:blipFill>
+          <a:blip r:embed="rId18">
+            <a:extLst>
+              <a:ext uri="{28A0092B-C50C-407E-A947-70E740481C1C}">
+                <a14:useLocalDpi xmlns:a14="http://schemas.microsoft.com/office/drawing/2010/main" val="0"/>
+              </a:ext>
+            </a:extLst>
+          </a:blip>
+          <a:stretch>
+            <a:fillRect/>
+          </a:stretch>
+        </p:blipFill>
+        <p:spPr>
+          <a:xfrm>
+            <a:off x="21959238" y="10503542"/>
+            <a:ext cx="6759526" cy="2705334"/>
           </a:xfrm>
           <a:prstGeom prst="rect">
             <a:avLst/>

--- a/posterPresFilterBubbles.pptx
+++ b/posterPresFilterBubbles.pptx
@@ -384,7 +384,7 @@
             <a:fld id="{E6CC2317-6751-4CD4-9995-8782DD78E936}" type="datetimeFigureOut">
               <a:rPr lang="en-US" smtClean="0"/>
               <a:pPr/>
-              <a:t>5/13/2021</a:t>
+              <a:t>5/15/2021</a:t>
             </a:fld>
             <a:endParaRPr lang="en-US" dirty="0"/>
           </a:p>
@@ -19511,7 +19511,7 @@
           <a:p>
             <a:r>
               <a:rPr lang="en-US" sz="1800" dirty="0"/>
-              <a:t>The certainty equivalent is how much extra money the gamble should give for the user to be indifferent between the sure thing and the gamble</a:t>
+              <a:t>The certainty equivalent is how much extra reward the gamble should give for the user to be indifferent between the sure thing and the gamble</a:t>
             </a:r>
           </a:p>
           <a:p>
@@ -21269,8 +21269,8 @@
           </a:fontRef>
         </p:style>
       </p:cxnSp>
-      <mc:AlternateContent xmlns:mc="http://schemas.openxmlformats.org/markup-compatibility/2006">
-        <mc:Choice xmlns:a14="http://schemas.microsoft.com/office/drawing/2010/main" Requires="a14">
+      <mc:AlternateContent xmlns:mc="http://schemas.openxmlformats.org/markup-compatibility/2006" xmlns:a14="http://schemas.microsoft.com/office/drawing/2010/main">
+        <mc:Choice Requires="a14">
           <p:sp>
             <p:nvSpPr>
               <p:cNvPr id="20" name="Tekstvak 19">
@@ -21736,7 +21736,7 @@
             </p:txBody>
           </p:sp>
         </mc:Choice>
-        <mc:Fallback>
+        <mc:Fallback xmlns="">
           <p:sp>
             <p:nvSpPr>
               <p:cNvPr id="20" name="Tekstvak 19">
@@ -22078,7 +22078,7 @@
                 <a:latin typeface="Times New Roman" panose="02020603050405020304" pitchFamily="18" charset="0"/>
                 <a:cs typeface="Times New Roman" panose="02020603050405020304" pitchFamily="18" charset="0"/>
               </a:rPr>
-              <a:t>No recommendation: users o</a:t>
+              <a:t>No recommendation: users </a:t>
             </a:r>
             <a:r>
               <a:rPr lang="en-GB" sz="2200" b="1" dirty="0">
@@ -22090,7 +22090,7 @@
                 <a:latin typeface="Times New Roman" panose="02020603050405020304" pitchFamily="18" charset="0"/>
                 <a:cs typeface="Times New Roman" panose="02020603050405020304" pitchFamily="18" charset="0"/>
               </a:rPr>
-              <a:t>ver-exploit</a:t>
+              <a:t>over-exploit</a:t>
             </a:r>
             <a:r>
               <a:rPr lang="en-GB" sz="2200" dirty="0">
